--- a/journalWallFriction/pictures/pdf/deltanum.pptx
+++ b/journalWallFriction/pictures/pdf/deltanum.pptx
@@ -3461,6 +3461,316 @@
           </a:p>
         </p:txBody>
       </p:sp>
+      <p:sp>
+        <p:nvSpPr>
+          <p:cNvPr id="9" name="Oval 8">
+            <a:extLst>
+              <a:ext uri="{FF2B5EF4-FFF2-40B4-BE49-F238E27FC236}">
+                <a16:creationId xmlns:a16="http://schemas.microsoft.com/office/drawing/2014/main" id="{6B8DFD8F-C4AB-FF46-B168-3ADC2D19978A}"/>
+              </a:ext>
+            </a:extLst>
+          </p:cNvPr>
+          <p:cNvSpPr/>
+          <p:nvPr/>
+        </p:nvSpPr>
+        <p:spPr>
+          <a:xfrm>
+            <a:off x="4331221" y="397048"/>
+            <a:ext cx="250506" cy="244844"/>
+          </a:xfrm>
+          <a:prstGeom prst="ellipse">
+            <a:avLst/>
+          </a:prstGeom>
+          <a:noFill/>
+          <a:ln>
+            <a:solidFill>
+              <a:srgbClr val="00B050"/>
+            </a:solidFill>
+          </a:ln>
+        </p:spPr>
+        <p:style>
+          <a:lnRef idx="2">
+            <a:schemeClr val="accent1">
+              <a:shade val="50000"/>
+            </a:schemeClr>
+          </a:lnRef>
+          <a:fillRef idx="1">
+            <a:schemeClr val="accent1"/>
+          </a:fillRef>
+          <a:effectRef idx="0">
+            <a:schemeClr val="accent1"/>
+          </a:effectRef>
+          <a:fontRef idx="minor">
+            <a:schemeClr val="lt1"/>
+          </a:fontRef>
+        </p:style>
+        <p:txBody>
+          <a:bodyPr rtlCol="0" anchor="ctr"/>
+          <a:lstStyle/>
+          <a:p>
+            <a:pPr algn="ctr"/>
+            <a:endParaRPr lang="en-US"/>
+          </a:p>
+        </p:txBody>
+      </p:sp>
+      <p:sp>
+        <p:nvSpPr>
+          <p:cNvPr id="17" name="Oval 16">
+            <a:extLst>
+              <a:ext uri="{FF2B5EF4-FFF2-40B4-BE49-F238E27FC236}">
+                <a16:creationId xmlns:a16="http://schemas.microsoft.com/office/drawing/2014/main" id="{75CCE645-CADB-974F-BBC1-E26D18C75D63}"/>
+              </a:ext>
+            </a:extLst>
+          </p:cNvPr>
+          <p:cNvSpPr/>
+          <p:nvPr/>
+        </p:nvSpPr>
+        <p:spPr>
+          <a:xfrm>
+            <a:off x="3959777" y="2797634"/>
+            <a:ext cx="250506" cy="244844"/>
+          </a:xfrm>
+          <a:prstGeom prst="ellipse">
+            <a:avLst/>
+          </a:prstGeom>
+          <a:noFill/>
+          <a:ln>
+            <a:solidFill>
+              <a:srgbClr val="00B050"/>
+            </a:solidFill>
+          </a:ln>
+        </p:spPr>
+        <p:style>
+          <a:lnRef idx="2">
+            <a:schemeClr val="accent1">
+              <a:shade val="50000"/>
+            </a:schemeClr>
+          </a:lnRef>
+          <a:fillRef idx="1">
+            <a:schemeClr val="accent1"/>
+          </a:fillRef>
+          <a:effectRef idx="0">
+            <a:schemeClr val="accent1"/>
+          </a:effectRef>
+          <a:fontRef idx="minor">
+            <a:schemeClr val="lt1"/>
+          </a:fontRef>
+        </p:style>
+        <p:txBody>
+          <a:bodyPr rtlCol="0" anchor="ctr"/>
+          <a:lstStyle/>
+          <a:p>
+            <a:pPr algn="ctr"/>
+            <a:endParaRPr lang="en-US"/>
+          </a:p>
+        </p:txBody>
+      </p:sp>
+      <mc:AlternateContent xmlns:mc="http://schemas.openxmlformats.org/markup-compatibility/2006">
+        <mc:Choice xmlns:a14="http://schemas.microsoft.com/office/drawing/2010/main" Requires="a14">
+          <p:sp>
+            <p:nvSpPr>
+              <p:cNvPr id="18" name="TextBox 17">
+                <a:extLst>
+                  <a:ext uri="{FF2B5EF4-FFF2-40B4-BE49-F238E27FC236}">
+                    <a16:creationId xmlns:a16="http://schemas.microsoft.com/office/drawing/2014/main" id="{1195C89C-018E-CC43-B006-5004747CFCC4}"/>
+                  </a:ext>
+                </a:extLst>
+              </p:cNvPr>
+              <p:cNvSpPr txBox="1"/>
+              <p:nvPr/>
+            </p:nvSpPr>
+            <p:spPr>
+              <a:xfrm>
+                <a:off x="4421235" y="205799"/>
+                <a:ext cx="1006072" cy="369332"/>
+              </a:xfrm>
+              <a:prstGeom prst="rect">
+                <a:avLst/>
+              </a:prstGeom>
+              <a:noFill/>
+            </p:spPr>
+            <p:txBody>
+              <a:bodyPr wrap="square" rtlCol="0">
+                <a:spAutoFit/>
+              </a:bodyPr>
+              <a:lstStyle/>
+              <a:p>
+                <a14:m>
+                  <m:oMathPara xmlns:m="http://schemas.openxmlformats.org/officeDocument/2006/math">
+                    <m:oMathParaPr>
+                      <m:jc m:val="centerGroup"/>
+                    </m:oMathParaPr>
+                    <m:oMath xmlns:m="http://schemas.openxmlformats.org/officeDocument/2006/math">
+                      <m:r>
+                        <a:rPr lang="en-US" i="1" smtClean="0">
+                          <a:latin typeface="Cambria Math" panose="02040503050406030204" pitchFamily="18" charset="0"/>
+                          <a:ea typeface="Cambria Math" panose="02040503050406030204" pitchFamily="18" charset="0"/>
+                        </a:rPr>
+                        <m:t>𝛿</m:t>
+                      </m:r>
+                      <m:r>
+                        <a:rPr lang="en-US" b="0" i="1" smtClean="0">
+                          <a:latin typeface="Cambria Math" panose="02040503050406030204" pitchFamily="18" charset="0"/>
+                          <a:ea typeface="Cambria Math" panose="02040503050406030204" pitchFamily="18" charset="0"/>
+                        </a:rPr>
+                        <m:t>=0.1</m:t>
+                      </m:r>
+                    </m:oMath>
+                  </m:oMathPara>
+                </a14:m>
+                <a:endParaRPr lang="en-US" dirty="0"/>
+              </a:p>
+            </p:txBody>
+          </p:sp>
+        </mc:Choice>
+        <mc:Fallback>
+          <p:sp>
+            <p:nvSpPr>
+              <p:cNvPr id="18" name="TextBox 17">
+                <a:extLst>
+                  <a:ext uri="{FF2B5EF4-FFF2-40B4-BE49-F238E27FC236}">
+                    <a16:creationId xmlns:a16="http://schemas.microsoft.com/office/drawing/2014/main" id="{1195C89C-018E-CC43-B006-5004747CFCC4}"/>
+                  </a:ext>
+                </a:extLst>
+              </p:cNvPr>
+              <p:cNvSpPr txBox="1">
+                <a:spLocks noRot="1" noChangeAspect="1" noMove="1" noResize="1" noEditPoints="1" noAdjustHandles="1" noChangeArrowheads="1" noChangeShapeType="1" noTextEdit="1"/>
+              </p:cNvSpPr>
+              <p:nvPr/>
+            </p:nvSpPr>
+            <p:spPr>
+              <a:xfrm>
+                <a:off x="4421235" y="205799"/>
+                <a:ext cx="1006072" cy="369332"/>
+              </a:xfrm>
+              <a:prstGeom prst="rect">
+                <a:avLst/>
+              </a:prstGeom>
+              <a:blipFill>
+                <a:blip r:embed="rId5"/>
+                <a:stretch>
+                  <a:fillRect/>
+                </a:stretch>
+              </a:blipFill>
+            </p:spPr>
+            <p:txBody>
+              <a:bodyPr/>
+              <a:lstStyle/>
+              <a:p>
+                <a:r>
+                  <a:rPr lang="en-US">
+                    <a:noFill/>
+                  </a:rPr>
+                  <a:t> </a:t>
+                </a:r>
+              </a:p>
+            </p:txBody>
+          </p:sp>
+        </mc:Fallback>
+      </mc:AlternateContent>
+      <mc:AlternateContent xmlns:mc="http://schemas.openxmlformats.org/markup-compatibility/2006">
+        <mc:Choice xmlns:a14="http://schemas.microsoft.com/office/drawing/2010/main" Requires="a14">
+          <p:sp>
+            <p:nvSpPr>
+              <p:cNvPr id="19" name="TextBox 18">
+                <a:extLst>
+                  <a:ext uri="{FF2B5EF4-FFF2-40B4-BE49-F238E27FC236}">
+                    <a16:creationId xmlns:a16="http://schemas.microsoft.com/office/drawing/2014/main" id="{4B11732B-5F41-CD4B-A741-04A4F3704908}"/>
+                  </a:ext>
+                </a:extLst>
+              </p:cNvPr>
+              <p:cNvSpPr txBox="1"/>
+              <p:nvPr/>
+            </p:nvSpPr>
+            <p:spPr>
+              <a:xfrm>
+                <a:off x="3678246" y="2920931"/>
+                <a:ext cx="1006072" cy="369332"/>
+              </a:xfrm>
+              <a:prstGeom prst="rect">
+                <a:avLst/>
+              </a:prstGeom>
+              <a:noFill/>
+            </p:spPr>
+            <p:txBody>
+              <a:bodyPr wrap="square" rtlCol="0">
+                <a:spAutoFit/>
+              </a:bodyPr>
+              <a:lstStyle/>
+              <a:p>
+                <a14:m>
+                  <m:oMathPara xmlns:m="http://schemas.openxmlformats.org/officeDocument/2006/math">
+                    <m:oMathParaPr>
+                      <m:jc m:val="centerGroup"/>
+                    </m:oMathParaPr>
+                    <m:oMath xmlns:m="http://schemas.openxmlformats.org/officeDocument/2006/math">
+                      <m:r>
+                        <a:rPr lang="en-US" i="1" smtClean="0">
+                          <a:latin typeface="Cambria Math" panose="02040503050406030204" pitchFamily="18" charset="0"/>
+                          <a:ea typeface="Cambria Math" panose="02040503050406030204" pitchFamily="18" charset="0"/>
+                        </a:rPr>
+                        <m:t>𝛿</m:t>
+                      </m:r>
+                      <m:r>
+                        <a:rPr lang="en-US" b="0" i="1" smtClean="0">
+                          <a:latin typeface="Cambria Math" panose="02040503050406030204" pitchFamily="18" charset="0"/>
+                          <a:ea typeface="Cambria Math" panose="02040503050406030204" pitchFamily="18" charset="0"/>
+                        </a:rPr>
+                        <m:t>=0.1</m:t>
+                      </m:r>
+                    </m:oMath>
+                  </m:oMathPara>
+                </a14:m>
+                <a:endParaRPr lang="en-US" dirty="0"/>
+              </a:p>
+            </p:txBody>
+          </p:sp>
+        </mc:Choice>
+        <mc:Fallback>
+          <p:sp>
+            <p:nvSpPr>
+              <p:cNvPr id="19" name="TextBox 18">
+                <a:extLst>
+                  <a:ext uri="{FF2B5EF4-FFF2-40B4-BE49-F238E27FC236}">
+                    <a16:creationId xmlns:a16="http://schemas.microsoft.com/office/drawing/2014/main" id="{4B11732B-5F41-CD4B-A741-04A4F3704908}"/>
+                  </a:ext>
+                </a:extLst>
+              </p:cNvPr>
+              <p:cNvSpPr txBox="1">
+                <a:spLocks noRot="1" noChangeAspect="1" noMove="1" noResize="1" noEditPoints="1" noAdjustHandles="1" noChangeArrowheads="1" noChangeShapeType="1" noTextEdit="1"/>
+              </p:cNvSpPr>
+              <p:nvPr/>
+            </p:nvSpPr>
+            <p:spPr>
+              <a:xfrm>
+                <a:off x="3678246" y="2920931"/>
+                <a:ext cx="1006072" cy="369332"/>
+              </a:xfrm>
+              <a:prstGeom prst="rect">
+                <a:avLst/>
+              </a:prstGeom>
+              <a:blipFill>
+                <a:blip r:embed="rId6"/>
+                <a:stretch>
+                  <a:fillRect/>
+                </a:stretch>
+              </a:blipFill>
+            </p:spPr>
+            <p:txBody>
+              <a:bodyPr/>
+              <a:lstStyle/>
+              <a:p>
+                <a:r>
+                  <a:rPr lang="en-US">
+                    <a:noFill/>
+                  </a:rPr>
+                  <a:t> </a:t>
+                </a:r>
+              </a:p>
+            </p:txBody>
+          </p:sp>
+        </mc:Fallback>
+      </mc:AlternateContent>
     </p:spTree>
     <p:extLst>
       <p:ext uri="{BB962C8B-B14F-4D97-AF65-F5344CB8AC3E}">

--- a/journalWallFriction/pictures/pdf/deltanum.pptx
+++ b/journalWallFriction/pictures/pdf/deltanum.pptx
@@ -2,12 +2,12 @@
 <file path=ppt/presentation.xml><?xml version="1.0" encoding="utf-8"?>
 <p:presentation xmlns:a="http://schemas.openxmlformats.org/drawingml/2006/main" xmlns:r="http://schemas.openxmlformats.org/officeDocument/2006/relationships" xmlns:p="http://schemas.openxmlformats.org/presentationml/2006/main" saveSubsetFonts="1" autoCompressPictures="0">
   <p:sldMasterIdLst>
-    <p:sldMasterId id="2147483648" r:id="rId1"/>
+    <p:sldMasterId id="2147483660" r:id="rId1"/>
   </p:sldMasterIdLst>
   <p:sldIdLst>
     <p:sldId id="256" r:id="rId2"/>
   </p:sldIdLst>
-  <p:sldSz cx="12192000" cy="6858000"/>
+  <p:sldSz cx="10972800" cy="6858000"/>
   <p:notesSz cx="6858000" cy="9144000"/>
   <p:defaultTextStyle>
     <a:defPPr>
@@ -104,6 +104,11 @@
       </a:defRPr>
     </a:lvl9pPr>
   </p:defaultTextStyle>
+  <p:extLst>
+    <p:ext uri="{EFAFB233-063F-42B5-8137-9DF3F51BA10A}">
+      <p15:sldGuideLst xmlns:p15="http://schemas.microsoft.com/office/powerpoint/2012/main"/>
+    </p:ext>
+  </p:extLst>
 </p:presentation>
 </file>
 
@@ -126,13 +131,7 @@
       </p:grpSpPr>
       <p:sp>
         <p:nvSpPr>
-          <p:cNvPr id="2" name="Title 1">
-            <a:extLst>
-              <a:ext uri="{FF2B5EF4-FFF2-40B4-BE49-F238E27FC236}">
-                <a16:creationId xmlns:a16="http://schemas.microsoft.com/office/drawing/2014/main" id="{3961F503-A38E-6544-9C20-444FDD57726D}"/>
-              </a:ext>
-            </a:extLst>
-          </p:cNvPr>
+          <p:cNvPr id="2" name="Title 1"/>
           <p:cNvSpPr>
             <a:spLocks noGrp="1"/>
           </p:cNvSpPr>
@@ -142,15 +141,15 @@
         </p:nvSpPr>
         <p:spPr>
           <a:xfrm>
-            <a:off x="1524000" y="1122363"/>
-            <a:ext cx="9144000" cy="2387600"/>
+            <a:off x="1371600" y="1122363"/>
+            <a:ext cx="8229600" cy="2387600"/>
           </a:xfrm>
         </p:spPr>
         <p:txBody>
           <a:bodyPr anchor="b"/>
           <a:lstStyle>
             <a:lvl1pPr algn="ctr">
-              <a:defRPr sz="6000"/>
+              <a:defRPr sz="5400"/>
             </a:lvl1pPr>
           </a:lstStyle>
           <a:p>
@@ -158,18 +157,13 @@
               <a:rPr lang="en-US"/>
               <a:t>Click to edit Master title style</a:t>
             </a:r>
-          </a:p>
-        </p:txBody>
-      </p:sp>
-      <p:sp>
-        <p:nvSpPr>
-          <p:cNvPr id="3" name="Subtitle 2">
-            <a:extLst>
-              <a:ext uri="{FF2B5EF4-FFF2-40B4-BE49-F238E27FC236}">
-                <a16:creationId xmlns:a16="http://schemas.microsoft.com/office/drawing/2014/main" id="{0AFD1BFA-6E7F-464B-BE3C-98E47A3801D0}"/>
-              </a:ext>
-            </a:extLst>
-          </p:cNvPr>
+            <a:endParaRPr lang="en-US" dirty="0"/>
+          </a:p>
+        </p:txBody>
+      </p:sp>
+      <p:sp>
+        <p:nvSpPr>
+          <p:cNvPr id="3" name="Subtitle 2"/>
           <p:cNvSpPr>
             <a:spLocks noGrp="1"/>
           </p:cNvSpPr>
@@ -179,8 +173,8 @@
         </p:nvSpPr>
         <p:spPr>
           <a:xfrm>
-            <a:off x="1524000" y="3602038"/>
-            <a:ext cx="9144000" cy="1655762"/>
+            <a:off x="1371600" y="3602038"/>
+            <a:ext cx="8229600" cy="1655762"/>
           </a:xfrm>
         </p:spPr>
         <p:txBody>
@@ -188,39 +182,39 @@
           <a:lstStyle>
             <a:lvl1pPr marL="0" indent="0" algn="ctr">
               <a:buNone/>
-              <a:defRPr sz="2400"/>
+              <a:defRPr sz="2160"/>
             </a:lvl1pPr>
-            <a:lvl2pPr marL="457200" indent="0" algn="ctr">
-              <a:buNone/>
-              <a:defRPr sz="2000"/>
+            <a:lvl2pPr marL="411480" indent="0" algn="ctr">
+              <a:buNone/>
+              <a:defRPr sz="1800"/>
             </a:lvl2pPr>
-            <a:lvl3pPr marL="914400" indent="0" algn="ctr">
-              <a:buNone/>
-              <a:defRPr sz="1800"/>
+            <a:lvl3pPr marL="822960" indent="0" algn="ctr">
+              <a:buNone/>
+              <a:defRPr sz="1620"/>
             </a:lvl3pPr>
-            <a:lvl4pPr marL="1371600" indent="0" algn="ctr">
-              <a:buNone/>
-              <a:defRPr sz="1600"/>
+            <a:lvl4pPr marL="1234440" indent="0" algn="ctr">
+              <a:buNone/>
+              <a:defRPr sz="1440"/>
             </a:lvl4pPr>
-            <a:lvl5pPr marL="1828800" indent="0" algn="ctr">
-              <a:buNone/>
-              <a:defRPr sz="1600"/>
+            <a:lvl5pPr marL="1645920" indent="0" algn="ctr">
+              <a:buNone/>
+              <a:defRPr sz="1440"/>
             </a:lvl5pPr>
-            <a:lvl6pPr marL="2286000" indent="0" algn="ctr">
-              <a:buNone/>
-              <a:defRPr sz="1600"/>
+            <a:lvl6pPr marL="2057400" indent="0" algn="ctr">
+              <a:buNone/>
+              <a:defRPr sz="1440"/>
             </a:lvl6pPr>
-            <a:lvl7pPr marL="2743200" indent="0" algn="ctr">
-              <a:buNone/>
-              <a:defRPr sz="1600"/>
+            <a:lvl7pPr marL="2468880" indent="0" algn="ctr">
+              <a:buNone/>
+              <a:defRPr sz="1440"/>
             </a:lvl7pPr>
-            <a:lvl8pPr marL="3200400" indent="0" algn="ctr">
-              <a:buNone/>
-              <a:defRPr sz="1600"/>
+            <a:lvl8pPr marL="2880360" indent="0" algn="ctr">
+              <a:buNone/>
+              <a:defRPr sz="1440"/>
             </a:lvl8pPr>
-            <a:lvl9pPr marL="3657600" indent="0" algn="ctr">
-              <a:buNone/>
-              <a:defRPr sz="1600"/>
+            <a:lvl9pPr marL="3291840" indent="0" algn="ctr">
+              <a:buNone/>
+              <a:defRPr sz="1440"/>
             </a:lvl9pPr>
           </a:lstStyle>
           <a:p>
@@ -228,18 +222,13 @@
               <a:rPr lang="en-US"/>
               <a:t>Click to edit Master subtitle style</a:t>
             </a:r>
-          </a:p>
-        </p:txBody>
-      </p:sp>
-      <p:sp>
-        <p:nvSpPr>
-          <p:cNvPr id="4" name="Date Placeholder 3">
-            <a:extLst>
-              <a:ext uri="{FF2B5EF4-FFF2-40B4-BE49-F238E27FC236}">
-                <a16:creationId xmlns:a16="http://schemas.microsoft.com/office/drawing/2014/main" id="{A18419A8-EE44-1C41-926C-BDA4C1BB2D97}"/>
-              </a:ext>
-            </a:extLst>
-          </p:cNvPr>
+            <a:endParaRPr lang="en-US" dirty="0"/>
+          </a:p>
+        </p:txBody>
+      </p:sp>
+      <p:sp>
+        <p:nvSpPr>
+          <p:cNvPr id="4" name="Date Placeholder 3"/>
           <p:cNvSpPr>
             <a:spLocks noGrp="1"/>
           </p:cNvSpPr>
@@ -254,7 +243,7 @@
           <a:p>
             <a:fld id="{669F0FDE-3FB8-7041-B759-6391409DDB8C}" type="datetimeFigureOut">
               <a:rPr lang="en-US" smtClean="0"/>
-              <a:t>5/8/18</a:t>
+              <a:t>5/13/18</a:t>
             </a:fld>
             <a:endParaRPr lang="en-US"/>
           </a:p>
@@ -262,13 +251,7 @@
       </p:sp>
       <p:sp>
         <p:nvSpPr>
-          <p:cNvPr id="5" name="Footer Placeholder 4">
-            <a:extLst>
-              <a:ext uri="{FF2B5EF4-FFF2-40B4-BE49-F238E27FC236}">
-                <a16:creationId xmlns:a16="http://schemas.microsoft.com/office/drawing/2014/main" id="{782D08BE-EC12-C243-BDB8-4AF934BB6EDC}"/>
-              </a:ext>
-            </a:extLst>
-          </p:cNvPr>
+          <p:cNvPr id="5" name="Footer Placeholder 4"/>
           <p:cNvSpPr>
             <a:spLocks noGrp="1"/>
           </p:cNvSpPr>
@@ -287,13 +270,7 @@
       </p:sp>
       <p:sp>
         <p:nvSpPr>
-          <p:cNvPr id="6" name="Slide Number Placeholder 5">
-            <a:extLst>
-              <a:ext uri="{FF2B5EF4-FFF2-40B4-BE49-F238E27FC236}">
-                <a16:creationId xmlns:a16="http://schemas.microsoft.com/office/drawing/2014/main" id="{7706EB0B-98C0-B04A-A4AE-7782DF10C317}"/>
-              </a:ext>
-            </a:extLst>
-          </p:cNvPr>
+          <p:cNvPr id="6" name="Slide Number Placeholder 5"/>
           <p:cNvSpPr>
             <a:spLocks noGrp="1"/>
           </p:cNvSpPr>
@@ -317,7 +294,7 @@
     </p:spTree>
     <p:extLst>
       <p:ext uri="{BB962C8B-B14F-4D97-AF65-F5344CB8AC3E}">
-        <p14:creationId xmlns:p14="http://schemas.microsoft.com/office/powerpoint/2010/main" val="1805462955"/>
+        <p14:creationId xmlns:p14="http://schemas.microsoft.com/office/powerpoint/2010/main" val="1876272937"/>
       </p:ext>
     </p:extLst>
   </p:cSld>
@@ -346,13 +323,7 @@
       </p:grpSpPr>
       <p:sp>
         <p:nvSpPr>
-          <p:cNvPr id="2" name="Title 1">
-            <a:extLst>
-              <a:ext uri="{FF2B5EF4-FFF2-40B4-BE49-F238E27FC236}">
-                <a16:creationId xmlns:a16="http://schemas.microsoft.com/office/drawing/2014/main" id="{4B6FB1B7-9E68-DB42-B039-690C4CE51C97}"/>
-              </a:ext>
-            </a:extLst>
-          </p:cNvPr>
+          <p:cNvPr id="2" name="Title 1"/>
           <p:cNvSpPr>
             <a:spLocks noGrp="1"/>
           </p:cNvSpPr>
@@ -369,18 +340,13 @@
               <a:rPr lang="en-US"/>
               <a:t>Click to edit Master title style</a:t>
             </a:r>
-          </a:p>
-        </p:txBody>
-      </p:sp>
-      <p:sp>
-        <p:nvSpPr>
-          <p:cNvPr id="3" name="Vertical Text Placeholder 2">
-            <a:extLst>
-              <a:ext uri="{FF2B5EF4-FFF2-40B4-BE49-F238E27FC236}">
-                <a16:creationId xmlns:a16="http://schemas.microsoft.com/office/drawing/2014/main" id="{9CC99BD0-23EA-3648-8B4B-DEB62C341C15}"/>
-              </a:ext>
-            </a:extLst>
-          </p:cNvPr>
+            <a:endParaRPr lang="en-US" dirty="0"/>
+          </a:p>
+        </p:txBody>
+      </p:sp>
+      <p:sp>
+        <p:nvSpPr>
+          <p:cNvPr id="3" name="Vertical Text Placeholder 2"/>
           <p:cNvSpPr>
             <a:spLocks noGrp="1"/>
           </p:cNvSpPr>
@@ -426,18 +392,13 @@
               <a:rPr lang="en-US"/>
               <a:t>Fifth level</a:t>
             </a:r>
-          </a:p>
-        </p:txBody>
-      </p:sp>
-      <p:sp>
-        <p:nvSpPr>
-          <p:cNvPr id="4" name="Date Placeholder 3">
-            <a:extLst>
-              <a:ext uri="{FF2B5EF4-FFF2-40B4-BE49-F238E27FC236}">
-                <a16:creationId xmlns:a16="http://schemas.microsoft.com/office/drawing/2014/main" id="{DB97A84D-A28E-7A47-9EFC-3C9262DF703F}"/>
-              </a:ext>
-            </a:extLst>
-          </p:cNvPr>
+            <a:endParaRPr lang="en-US" dirty="0"/>
+          </a:p>
+        </p:txBody>
+      </p:sp>
+      <p:sp>
+        <p:nvSpPr>
+          <p:cNvPr id="4" name="Date Placeholder 3"/>
           <p:cNvSpPr>
             <a:spLocks noGrp="1"/>
           </p:cNvSpPr>
@@ -452,7 +413,7 @@
           <a:p>
             <a:fld id="{669F0FDE-3FB8-7041-B759-6391409DDB8C}" type="datetimeFigureOut">
               <a:rPr lang="en-US" smtClean="0"/>
-              <a:t>5/8/18</a:t>
+              <a:t>5/13/18</a:t>
             </a:fld>
             <a:endParaRPr lang="en-US"/>
           </a:p>
@@ -460,13 +421,7 @@
       </p:sp>
       <p:sp>
         <p:nvSpPr>
-          <p:cNvPr id="5" name="Footer Placeholder 4">
-            <a:extLst>
-              <a:ext uri="{FF2B5EF4-FFF2-40B4-BE49-F238E27FC236}">
-                <a16:creationId xmlns:a16="http://schemas.microsoft.com/office/drawing/2014/main" id="{E3E2279D-8954-5440-AFDC-D73FF1159709}"/>
-              </a:ext>
-            </a:extLst>
-          </p:cNvPr>
+          <p:cNvPr id="5" name="Footer Placeholder 4"/>
           <p:cNvSpPr>
             <a:spLocks noGrp="1"/>
           </p:cNvSpPr>
@@ -485,13 +440,7 @@
       </p:sp>
       <p:sp>
         <p:nvSpPr>
-          <p:cNvPr id="6" name="Slide Number Placeholder 5">
-            <a:extLst>
-              <a:ext uri="{FF2B5EF4-FFF2-40B4-BE49-F238E27FC236}">
-                <a16:creationId xmlns:a16="http://schemas.microsoft.com/office/drawing/2014/main" id="{683CFAC0-CF35-5C4F-A840-07D647AFA756}"/>
-              </a:ext>
-            </a:extLst>
-          </p:cNvPr>
+          <p:cNvPr id="6" name="Slide Number Placeholder 5"/>
           <p:cNvSpPr>
             <a:spLocks noGrp="1"/>
           </p:cNvSpPr>
@@ -515,7 +464,7 @@
     </p:spTree>
     <p:extLst>
       <p:ext uri="{BB962C8B-B14F-4D97-AF65-F5344CB8AC3E}">
-        <p14:creationId xmlns:p14="http://schemas.microsoft.com/office/powerpoint/2010/main" val="863806251"/>
+        <p14:creationId xmlns:p14="http://schemas.microsoft.com/office/powerpoint/2010/main" val="3459714993"/>
       </p:ext>
     </p:extLst>
   </p:cSld>
@@ -544,13 +493,7 @@
       </p:grpSpPr>
       <p:sp>
         <p:nvSpPr>
-          <p:cNvPr id="2" name="Vertical Title 1">
-            <a:extLst>
-              <a:ext uri="{FF2B5EF4-FFF2-40B4-BE49-F238E27FC236}">
-                <a16:creationId xmlns:a16="http://schemas.microsoft.com/office/drawing/2014/main" id="{74F02B49-60EC-BC44-B1D6-3FF6A49FDFEF}"/>
-              </a:ext>
-            </a:extLst>
-          </p:cNvPr>
+          <p:cNvPr id="2" name="Vertical Title 1"/>
           <p:cNvSpPr>
             <a:spLocks noGrp="1"/>
           </p:cNvSpPr>
@@ -560,8 +503,8 @@
         </p:nvSpPr>
         <p:spPr>
           <a:xfrm>
-            <a:off x="8724900" y="365125"/>
-            <a:ext cx="2628900" cy="5811838"/>
+            <a:off x="7852410" y="365125"/>
+            <a:ext cx="2366010" cy="5811838"/>
           </a:xfrm>
         </p:spPr>
         <p:txBody>
@@ -572,18 +515,13 @@
               <a:rPr lang="en-US"/>
               <a:t>Click to edit Master title style</a:t>
             </a:r>
-          </a:p>
-        </p:txBody>
-      </p:sp>
-      <p:sp>
-        <p:nvSpPr>
-          <p:cNvPr id="3" name="Vertical Text Placeholder 2">
-            <a:extLst>
-              <a:ext uri="{FF2B5EF4-FFF2-40B4-BE49-F238E27FC236}">
-                <a16:creationId xmlns:a16="http://schemas.microsoft.com/office/drawing/2014/main" id="{F93A62CB-7ABA-F045-9F2F-E2F88126C440}"/>
-              </a:ext>
-            </a:extLst>
-          </p:cNvPr>
+            <a:endParaRPr lang="en-US" dirty="0"/>
+          </a:p>
+        </p:txBody>
+      </p:sp>
+      <p:sp>
+        <p:nvSpPr>
+          <p:cNvPr id="3" name="Vertical Text Placeholder 2"/>
           <p:cNvSpPr>
             <a:spLocks noGrp="1"/>
           </p:cNvSpPr>
@@ -593,8 +531,8 @@
         </p:nvSpPr>
         <p:spPr>
           <a:xfrm>
-            <a:off x="838200" y="365125"/>
-            <a:ext cx="7734300" cy="5811838"/>
+            <a:off x="754380" y="365125"/>
+            <a:ext cx="6960870" cy="5811838"/>
           </a:xfrm>
         </p:spPr>
         <p:txBody>
@@ -634,18 +572,13 @@
               <a:rPr lang="en-US"/>
               <a:t>Fifth level</a:t>
             </a:r>
-          </a:p>
-        </p:txBody>
-      </p:sp>
-      <p:sp>
-        <p:nvSpPr>
-          <p:cNvPr id="4" name="Date Placeholder 3">
-            <a:extLst>
-              <a:ext uri="{FF2B5EF4-FFF2-40B4-BE49-F238E27FC236}">
-                <a16:creationId xmlns:a16="http://schemas.microsoft.com/office/drawing/2014/main" id="{3FF647DE-73D3-1847-A0C6-9D247CEB9035}"/>
-              </a:ext>
-            </a:extLst>
-          </p:cNvPr>
+            <a:endParaRPr lang="en-US" dirty="0"/>
+          </a:p>
+        </p:txBody>
+      </p:sp>
+      <p:sp>
+        <p:nvSpPr>
+          <p:cNvPr id="4" name="Date Placeholder 3"/>
           <p:cNvSpPr>
             <a:spLocks noGrp="1"/>
           </p:cNvSpPr>
@@ -660,7 +593,7 @@
           <a:p>
             <a:fld id="{669F0FDE-3FB8-7041-B759-6391409DDB8C}" type="datetimeFigureOut">
               <a:rPr lang="en-US" smtClean="0"/>
-              <a:t>5/8/18</a:t>
+              <a:t>5/13/18</a:t>
             </a:fld>
             <a:endParaRPr lang="en-US"/>
           </a:p>
@@ -668,13 +601,7 @@
       </p:sp>
       <p:sp>
         <p:nvSpPr>
-          <p:cNvPr id="5" name="Footer Placeholder 4">
-            <a:extLst>
-              <a:ext uri="{FF2B5EF4-FFF2-40B4-BE49-F238E27FC236}">
-                <a16:creationId xmlns:a16="http://schemas.microsoft.com/office/drawing/2014/main" id="{9BAC7692-513D-AD45-A755-3D2B674D9B47}"/>
-              </a:ext>
-            </a:extLst>
-          </p:cNvPr>
+          <p:cNvPr id="5" name="Footer Placeholder 4"/>
           <p:cNvSpPr>
             <a:spLocks noGrp="1"/>
           </p:cNvSpPr>
@@ -693,13 +620,7 @@
       </p:sp>
       <p:sp>
         <p:nvSpPr>
-          <p:cNvPr id="6" name="Slide Number Placeholder 5">
-            <a:extLst>
-              <a:ext uri="{FF2B5EF4-FFF2-40B4-BE49-F238E27FC236}">
-                <a16:creationId xmlns:a16="http://schemas.microsoft.com/office/drawing/2014/main" id="{9DEA7D98-2780-2847-A493-54A969EAA495}"/>
-              </a:ext>
-            </a:extLst>
-          </p:cNvPr>
+          <p:cNvPr id="6" name="Slide Number Placeholder 5"/>
           <p:cNvSpPr>
             <a:spLocks noGrp="1"/>
           </p:cNvSpPr>
@@ -723,7 +644,7 @@
     </p:spTree>
     <p:extLst>
       <p:ext uri="{BB962C8B-B14F-4D97-AF65-F5344CB8AC3E}">
-        <p14:creationId xmlns:p14="http://schemas.microsoft.com/office/powerpoint/2010/main" val="2654428988"/>
+        <p14:creationId xmlns:p14="http://schemas.microsoft.com/office/powerpoint/2010/main" val="4016696462"/>
       </p:ext>
     </p:extLst>
   </p:cSld>
@@ -752,13 +673,7 @@
       </p:grpSpPr>
       <p:sp>
         <p:nvSpPr>
-          <p:cNvPr id="2" name="Title 1">
-            <a:extLst>
-              <a:ext uri="{FF2B5EF4-FFF2-40B4-BE49-F238E27FC236}">
-                <a16:creationId xmlns:a16="http://schemas.microsoft.com/office/drawing/2014/main" id="{9BC2A1C0-462D-4843-914F-4B2C1E9C1108}"/>
-              </a:ext>
-            </a:extLst>
-          </p:cNvPr>
+          <p:cNvPr id="2" name="Title 1"/>
           <p:cNvSpPr>
             <a:spLocks noGrp="1"/>
           </p:cNvSpPr>
@@ -775,18 +690,13 @@
               <a:rPr lang="en-US"/>
               <a:t>Click to edit Master title style</a:t>
             </a:r>
-          </a:p>
-        </p:txBody>
-      </p:sp>
-      <p:sp>
-        <p:nvSpPr>
-          <p:cNvPr id="3" name="Content Placeholder 2">
-            <a:extLst>
-              <a:ext uri="{FF2B5EF4-FFF2-40B4-BE49-F238E27FC236}">
-                <a16:creationId xmlns:a16="http://schemas.microsoft.com/office/drawing/2014/main" id="{7D7E8B2C-E03C-264E-B6F9-B05F8A94A26F}"/>
-              </a:ext>
-            </a:extLst>
-          </p:cNvPr>
+            <a:endParaRPr lang="en-US" dirty="0"/>
+          </a:p>
+        </p:txBody>
+      </p:sp>
+      <p:sp>
+        <p:nvSpPr>
+          <p:cNvPr id="3" name="Content Placeholder 2"/>
           <p:cNvSpPr>
             <a:spLocks noGrp="1"/>
           </p:cNvSpPr>
@@ -832,18 +742,13 @@
               <a:rPr lang="en-US"/>
               <a:t>Fifth level</a:t>
             </a:r>
-          </a:p>
-        </p:txBody>
-      </p:sp>
-      <p:sp>
-        <p:nvSpPr>
-          <p:cNvPr id="4" name="Date Placeholder 3">
-            <a:extLst>
-              <a:ext uri="{FF2B5EF4-FFF2-40B4-BE49-F238E27FC236}">
-                <a16:creationId xmlns:a16="http://schemas.microsoft.com/office/drawing/2014/main" id="{D4A31C51-99C3-424A-AC11-B0FD745C03A8}"/>
-              </a:ext>
-            </a:extLst>
-          </p:cNvPr>
+            <a:endParaRPr lang="en-US" dirty="0"/>
+          </a:p>
+        </p:txBody>
+      </p:sp>
+      <p:sp>
+        <p:nvSpPr>
+          <p:cNvPr id="4" name="Date Placeholder 3"/>
           <p:cNvSpPr>
             <a:spLocks noGrp="1"/>
           </p:cNvSpPr>
@@ -858,7 +763,7 @@
           <a:p>
             <a:fld id="{669F0FDE-3FB8-7041-B759-6391409DDB8C}" type="datetimeFigureOut">
               <a:rPr lang="en-US" smtClean="0"/>
-              <a:t>5/8/18</a:t>
+              <a:t>5/13/18</a:t>
             </a:fld>
             <a:endParaRPr lang="en-US"/>
           </a:p>
@@ -866,13 +771,7 @@
       </p:sp>
       <p:sp>
         <p:nvSpPr>
-          <p:cNvPr id="5" name="Footer Placeholder 4">
-            <a:extLst>
-              <a:ext uri="{FF2B5EF4-FFF2-40B4-BE49-F238E27FC236}">
-                <a16:creationId xmlns:a16="http://schemas.microsoft.com/office/drawing/2014/main" id="{42A1F44B-DEFE-184C-A4FF-DE52104CCF54}"/>
-              </a:ext>
-            </a:extLst>
-          </p:cNvPr>
+          <p:cNvPr id="5" name="Footer Placeholder 4"/>
           <p:cNvSpPr>
             <a:spLocks noGrp="1"/>
           </p:cNvSpPr>
@@ -891,13 +790,7 @@
       </p:sp>
       <p:sp>
         <p:nvSpPr>
-          <p:cNvPr id="6" name="Slide Number Placeholder 5">
-            <a:extLst>
-              <a:ext uri="{FF2B5EF4-FFF2-40B4-BE49-F238E27FC236}">
-                <a16:creationId xmlns:a16="http://schemas.microsoft.com/office/drawing/2014/main" id="{B5740D0A-B330-9A4B-9543-EED0A3C3CE4B}"/>
-              </a:ext>
-            </a:extLst>
-          </p:cNvPr>
+          <p:cNvPr id="6" name="Slide Number Placeholder 5"/>
           <p:cNvSpPr>
             <a:spLocks noGrp="1"/>
           </p:cNvSpPr>
@@ -921,7 +814,7 @@
     </p:spTree>
     <p:extLst>
       <p:ext uri="{BB962C8B-B14F-4D97-AF65-F5344CB8AC3E}">
-        <p14:creationId xmlns:p14="http://schemas.microsoft.com/office/powerpoint/2010/main" val="3470911534"/>
+        <p14:creationId xmlns:p14="http://schemas.microsoft.com/office/powerpoint/2010/main" val="3780942238"/>
       </p:ext>
     </p:extLst>
   </p:cSld>
@@ -950,13 +843,7 @@
       </p:grpSpPr>
       <p:sp>
         <p:nvSpPr>
-          <p:cNvPr id="2" name="Title 1">
-            <a:extLst>
-              <a:ext uri="{FF2B5EF4-FFF2-40B4-BE49-F238E27FC236}">
-                <a16:creationId xmlns:a16="http://schemas.microsoft.com/office/drawing/2014/main" id="{2E2F0358-B51F-9449-9239-9CB77D972E38}"/>
-              </a:ext>
-            </a:extLst>
-          </p:cNvPr>
+          <p:cNvPr id="2" name="Title 1"/>
           <p:cNvSpPr>
             <a:spLocks noGrp="1"/>
           </p:cNvSpPr>
@@ -966,15 +853,15 @@
         </p:nvSpPr>
         <p:spPr>
           <a:xfrm>
-            <a:off x="831850" y="1709738"/>
-            <a:ext cx="10515600" cy="2852737"/>
+            <a:off x="748665" y="1709739"/>
+            <a:ext cx="9464040" cy="2852737"/>
           </a:xfrm>
         </p:spPr>
         <p:txBody>
           <a:bodyPr anchor="b"/>
           <a:lstStyle>
             <a:lvl1pPr>
-              <a:defRPr sz="6000"/>
+              <a:defRPr sz="5400"/>
             </a:lvl1pPr>
           </a:lstStyle>
           <a:p>
@@ -982,18 +869,13 @@
               <a:rPr lang="en-US"/>
               <a:t>Click to edit Master title style</a:t>
             </a:r>
-          </a:p>
-        </p:txBody>
-      </p:sp>
-      <p:sp>
-        <p:nvSpPr>
-          <p:cNvPr id="3" name="Text Placeholder 2">
-            <a:extLst>
-              <a:ext uri="{FF2B5EF4-FFF2-40B4-BE49-F238E27FC236}">
-                <a16:creationId xmlns:a16="http://schemas.microsoft.com/office/drawing/2014/main" id="{1BF55D5B-D287-6846-BADA-840AC4DDE33E}"/>
-              </a:ext>
-            </a:extLst>
-          </p:cNvPr>
+            <a:endParaRPr lang="en-US" dirty="0"/>
+          </a:p>
+        </p:txBody>
+      </p:sp>
+      <p:sp>
+        <p:nvSpPr>
+          <p:cNvPr id="3" name="Text Placeholder 2"/>
           <p:cNvSpPr>
             <a:spLocks noGrp="1"/>
           </p:cNvSpPr>
@@ -1003,8 +885,8 @@
         </p:nvSpPr>
         <p:spPr>
           <a:xfrm>
-            <a:off x="831850" y="4589463"/>
-            <a:ext cx="10515600" cy="1500187"/>
+            <a:off x="748665" y="4589464"/>
+            <a:ext cx="9464040" cy="1500187"/>
           </a:xfrm>
         </p:spPr>
         <p:txBody>
@@ -1012,7 +894,7 @@
           <a:lstStyle>
             <a:lvl1pPr marL="0" indent="0">
               <a:buNone/>
-              <a:defRPr sz="2400">
+              <a:defRPr sz="2160">
                 <a:solidFill>
                   <a:schemeClr val="tx1">
                     <a:tint val="75000"/>
@@ -1020,9 +902,9 @@
                 </a:solidFill>
               </a:defRPr>
             </a:lvl1pPr>
-            <a:lvl2pPr marL="457200" indent="0">
-              <a:buNone/>
-              <a:defRPr sz="2000">
+            <a:lvl2pPr marL="411480" indent="0">
+              <a:buNone/>
+              <a:defRPr sz="1800">
                 <a:solidFill>
                   <a:schemeClr val="tx1">
                     <a:tint val="75000"/>
@@ -1030,9 +912,9 @@
                 </a:solidFill>
               </a:defRPr>
             </a:lvl2pPr>
-            <a:lvl3pPr marL="914400" indent="0">
-              <a:buNone/>
-              <a:defRPr sz="1800">
+            <a:lvl3pPr marL="822960" indent="0">
+              <a:buNone/>
+              <a:defRPr sz="1620">
                 <a:solidFill>
                   <a:schemeClr val="tx1">
                     <a:tint val="75000"/>
@@ -1040,9 +922,9 @@
                 </a:solidFill>
               </a:defRPr>
             </a:lvl3pPr>
-            <a:lvl4pPr marL="1371600" indent="0">
-              <a:buNone/>
-              <a:defRPr sz="1600">
+            <a:lvl4pPr marL="1234440" indent="0">
+              <a:buNone/>
+              <a:defRPr sz="1440">
                 <a:solidFill>
                   <a:schemeClr val="tx1">
                     <a:tint val="75000"/>
@@ -1050,9 +932,9 @@
                 </a:solidFill>
               </a:defRPr>
             </a:lvl4pPr>
-            <a:lvl5pPr marL="1828800" indent="0">
-              <a:buNone/>
-              <a:defRPr sz="1600">
+            <a:lvl5pPr marL="1645920" indent="0">
+              <a:buNone/>
+              <a:defRPr sz="1440">
                 <a:solidFill>
                   <a:schemeClr val="tx1">
                     <a:tint val="75000"/>
@@ -1060,9 +942,9 @@
                 </a:solidFill>
               </a:defRPr>
             </a:lvl5pPr>
-            <a:lvl6pPr marL="2286000" indent="0">
-              <a:buNone/>
-              <a:defRPr sz="1600">
+            <a:lvl6pPr marL="2057400" indent="0">
+              <a:buNone/>
+              <a:defRPr sz="1440">
                 <a:solidFill>
                   <a:schemeClr val="tx1">
                     <a:tint val="75000"/>
@@ -1070,9 +952,9 @@
                 </a:solidFill>
               </a:defRPr>
             </a:lvl6pPr>
-            <a:lvl7pPr marL="2743200" indent="0">
-              <a:buNone/>
-              <a:defRPr sz="1600">
+            <a:lvl7pPr marL="2468880" indent="0">
+              <a:buNone/>
+              <a:defRPr sz="1440">
                 <a:solidFill>
                   <a:schemeClr val="tx1">
                     <a:tint val="75000"/>
@@ -1080,9 +962,9 @@
                 </a:solidFill>
               </a:defRPr>
             </a:lvl7pPr>
-            <a:lvl8pPr marL="3200400" indent="0">
-              <a:buNone/>
-              <a:defRPr sz="1600">
+            <a:lvl8pPr marL="2880360" indent="0">
+              <a:buNone/>
+              <a:defRPr sz="1440">
                 <a:solidFill>
                   <a:schemeClr val="tx1">
                     <a:tint val="75000"/>
@@ -1090,9 +972,9 @@
                 </a:solidFill>
               </a:defRPr>
             </a:lvl8pPr>
-            <a:lvl9pPr marL="3657600" indent="0">
-              <a:buNone/>
-              <a:defRPr sz="1600">
+            <a:lvl9pPr marL="3291840" indent="0">
+              <a:buNone/>
+              <a:defRPr sz="1440">
                 <a:solidFill>
                   <a:schemeClr val="tx1">
                     <a:tint val="75000"/>
@@ -1112,13 +994,7 @@
       </p:sp>
       <p:sp>
         <p:nvSpPr>
-          <p:cNvPr id="4" name="Date Placeholder 3">
-            <a:extLst>
-              <a:ext uri="{FF2B5EF4-FFF2-40B4-BE49-F238E27FC236}">
-                <a16:creationId xmlns:a16="http://schemas.microsoft.com/office/drawing/2014/main" id="{5206ED36-A86F-2A46-A8DD-993D24807D33}"/>
-              </a:ext>
-            </a:extLst>
-          </p:cNvPr>
+          <p:cNvPr id="4" name="Date Placeholder 3"/>
           <p:cNvSpPr>
             <a:spLocks noGrp="1"/>
           </p:cNvSpPr>
@@ -1133,7 +1009,7 @@
           <a:p>
             <a:fld id="{669F0FDE-3FB8-7041-B759-6391409DDB8C}" type="datetimeFigureOut">
               <a:rPr lang="en-US" smtClean="0"/>
-              <a:t>5/8/18</a:t>
+              <a:t>5/13/18</a:t>
             </a:fld>
             <a:endParaRPr lang="en-US"/>
           </a:p>
@@ -1141,13 +1017,7 @@
       </p:sp>
       <p:sp>
         <p:nvSpPr>
-          <p:cNvPr id="5" name="Footer Placeholder 4">
-            <a:extLst>
-              <a:ext uri="{FF2B5EF4-FFF2-40B4-BE49-F238E27FC236}">
-                <a16:creationId xmlns:a16="http://schemas.microsoft.com/office/drawing/2014/main" id="{D1DB2604-4537-E149-8762-83A243FA75A6}"/>
-              </a:ext>
-            </a:extLst>
-          </p:cNvPr>
+          <p:cNvPr id="5" name="Footer Placeholder 4"/>
           <p:cNvSpPr>
             <a:spLocks noGrp="1"/>
           </p:cNvSpPr>
@@ -1166,13 +1036,7 @@
       </p:sp>
       <p:sp>
         <p:nvSpPr>
-          <p:cNvPr id="6" name="Slide Number Placeholder 5">
-            <a:extLst>
-              <a:ext uri="{FF2B5EF4-FFF2-40B4-BE49-F238E27FC236}">
-                <a16:creationId xmlns:a16="http://schemas.microsoft.com/office/drawing/2014/main" id="{8AA58D51-B2E5-0247-8524-775546FDC8AE}"/>
-              </a:ext>
-            </a:extLst>
-          </p:cNvPr>
+          <p:cNvPr id="6" name="Slide Number Placeholder 5"/>
           <p:cNvSpPr>
             <a:spLocks noGrp="1"/>
           </p:cNvSpPr>
@@ -1196,7 +1060,7 @@
     </p:spTree>
     <p:extLst>
       <p:ext uri="{BB962C8B-B14F-4D97-AF65-F5344CB8AC3E}">
-        <p14:creationId xmlns:p14="http://schemas.microsoft.com/office/powerpoint/2010/main" val="594102173"/>
+        <p14:creationId xmlns:p14="http://schemas.microsoft.com/office/powerpoint/2010/main" val="4199639529"/>
       </p:ext>
     </p:extLst>
   </p:cSld>
@@ -1225,13 +1089,7 @@
       </p:grpSpPr>
       <p:sp>
         <p:nvSpPr>
-          <p:cNvPr id="2" name="Title 1">
-            <a:extLst>
-              <a:ext uri="{FF2B5EF4-FFF2-40B4-BE49-F238E27FC236}">
-                <a16:creationId xmlns:a16="http://schemas.microsoft.com/office/drawing/2014/main" id="{23AC2AB7-340B-EA49-B919-22BDB4071E4D}"/>
-              </a:ext>
-            </a:extLst>
-          </p:cNvPr>
+          <p:cNvPr id="2" name="Title 1"/>
           <p:cNvSpPr>
             <a:spLocks noGrp="1"/>
           </p:cNvSpPr>
@@ -1248,18 +1106,13 @@
               <a:rPr lang="en-US"/>
               <a:t>Click to edit Master title style</a:t>
             </a:r>
-          </a:p>
-        </p:txBody>
-      </p:sp>
-      <p:sp>
-        <p:nvSpPr>
-          <p:cNvPr id="3" name="Content Placeholder 2">
-            <a:extLst>
-              <a:ext uri="{FF2B5EF4-FFF2-40B4-BE49-F238E27FC236}">
-                <a16:creationId xmlns:a16="http://schemas.microsoft.com/office/drawing/2014/main" id="{26B38414-8DAA-C54E-A36F-C799538B1855}"/>
-              </a:ext>
-            </a:extLst>
-          </p:cNvPr>
+            <a:endParaRPr lang="en-US" dirty="0"/>
+          </a:p>
+        </p:txBody>
+      </p:sp>
+      <p:sp>
+        <p:nvSpPr>
+          <p:cNvPr id="3" name="Content Placeholder 2"/>
           <p:cNvSpPr>
             <a:spLocks noGrp="1"/>
           </p:cNvSpPr>
@@ -1269,8 +1122,8 @@
         </p:nvSpPr>
         <p:spPr>
           <a:xfrm>
-            <a:off x="838200" y="1825625"/>
-            <a:ext cx="5181600" cy="4351338"/>
+            <a:off x="754380" y="1825625"/>
+            <a:ext cx="4663440" cy="4351338"/>
           </a:xfrm>
         </p:spPr>
         <p:txBody>
@@ -1310,18 +1163,13 @@
               <a:rPr lang="en-US"/>
               <a:t>Fifth level</a:t>
             </a:r>
-          </a:p>
-        </p:txBody>
-      </p:sp>
-      <p:sp>
-        <p:nvSpPr>
-          <p:cNvPr id="4" name="Content Placeholder 3">
-            <a:extLst>
-              <a:ext uri="{FF2B5EF4-FFF2-40B4-BE49-F238E27FC236}">
-                <a16:creationId xmlns:a16="http://schemas.microsoft.com/office/drawing/2014/main" id="{C6BA18D2-65E5-A047-8200-9A6F8821FC6A}"/>
-              </a:ext>
-            </a:extLst>
-          </p:cNvPr>
+            <a:endParaRPr lang="en-US" dirty="0"/>
+          </a:p>
+        </p:txBody>
+      </p:sp>
+      <p:sp>
+        <p:nvSpPr>
+          <p:cNvPr id="4" name="Content Placeholder 3"/>
           <p:cNvSpPr>
             <a:spLocks noGrp="1"/>
           </p:cNvSpPr>
@@ -1331,8 +1179,8 @@
         </p:nvSpPr>
         <p:spPr>
           <a:xfrm>
-            <a:off x="6172200" y="1825625"/>
-            <a:ext cx="5181600" cy="4351338"/>
+            <a:off x="5554980" y="1825625"/>
+            <a:ext cx="4663440" cy="4351338"/>
           </a:xfrm>
         </p:spPr>
         <p:txBody>
@@ -1372,18 +1220,13 @@
               <a:rPr lang="en-US"/>
               <a:t>Fifth level</a:t>
             </a:r>
-          </a:p>
-        </p:txBody>
-      </p:sp>
-      <p:sp>
-        <p:nvSpPr>
-          <p:cNvPr id="5" name="Date Placeholder 4">
-            <a:extLst>
-              <a:ext uri="{FF2B5EF4-FFF2-40B4-BE49-F238E27FC236}">
-                <a16:creationId xmlns:a16="http://schemas.microsoft.com/office/drawing/2014/main" id="{F341F23B-3D63-114A-9556-1D695C343A45}"/>
-              </a:ext>
-            </a:extLst>
-          </p:cNvPr>
+            <a:endParaRPr lang="en-US" dirty="0"/>
+          </a:p>
+        </p:txBody>
+      </p:sp>
+      <p:sp>
+        <p:nvSpPr>
+          <p:cNvPr id="5" name="Date Placeholder 4"/>
           <p:cNvSpPr>
             <a:spLocks noGrp="1"/>
           </p:cNvSpPr>
@@ -1398,7 +1241,7 @@
           <a:p>
             <a:fld id="{669F0FDE-3FB8-7041-B759-6391409DDB8C}" type="datetimeFigureOut">
               <a:rPr lang="en-US" smtClean="0"/>
-              <a:t>5/8/18</a:t>
+              <a:t>5/13/18</a:t>
             </a:fld>
             <a:endParaRPr lang="en-US"/>
           </a:p>
@@ -1406,13 +1249,7 @@
       </p:sp>
       <p:sp>
         <p:nvSpPr>
-          <p:cNvPr id="6" name="Footer Placeholder 5">
-            <a:extLst>
-              <a:ext uri="{FF2B5EF4-FFF2-40B4-BE49-F238E27FC236}">
-                <a16:creationId xmlns:a16="http://schemas.microsoft.com/office/drawing/2014/main" id="{F0E787B4-6AF7-0645-8621-2921A9F75646}"/>
-              </a:ext>
-            </a:extLst>
-          </p:cNvPr>
+          <p:cNvPr id="6" name="Footer Placeholder 5"/>
           <p:cNvSpPr>
             <a:spLocks noGrp="1"/>
           </p:cNvSpPr>
@@ -1431,13 +1268,7 @@
       </p:sp>
       <p:sp>
         <p:nvSpPr>
-          <p:cNvPr id="7" name="Slide Number Placeholder 6">
-            <a:extLst>
-              <a:ext uri="{FF2B5EF4-FFF2-40B4-BE49-F238E27FC236}">
-                <a16:creationId xmlns:a16="http://schemas.microsoft.com/office/drawing/2014/main" id="{5E78ADF7-A796-CA47-94E4-81FD2D5FB0A6}"/>
-              </a:ext>
-            </a:extLst>
-          </p:cNvPr>
+          <p:cNvPr id="7" name="Slide Number Placeholder 6"/>
           <p:cNvSpPr>
             <a:spLocks noGrp="1"/>
           </p:cNvSpPr>
@@ -1461,7 +1292,7 @@
     </p:spTree>
     <p:extLst>
       <p:ext uri="{BB962C8B-B14F-4D97-AF65-F5344CB8AC3E}">
-        <p14:creationId xmlns:p14="http://schemas.microsoft.com/office/powerpoint/2010/main" val="3669565793"/>
+        <p14:creationId xmlns:p14="http://schemas.microsoft.com/office/powerpoint/2010/main" val="1508114324"/>
       </p:ext>
     </p:extLst>
   </p:cSld>
@@ -1490,13 +1321,7 @@
       </p:grpSpPr>
       <p:sp>
         <p:nvSpPr>
-          <p:cNvPr id="2" name="Title 1">
-            <a:extLst>
-              <a:ext uri="{FF2B5EF4-FFF2-40B4-BE49-F238E27FC236}">
-                <a16:creationId xmlns:a16="http://schemas.microsoft.com/office/drawing/2014/main" id="{886DBFAB-2643-654F-AAA4-D2374BF19042}"/>
-              </a:ext>
-            </a:extLst>
-          </p:cNvPr>
+          <p:cNvPr id="2" name="Title 1"/>
           <p:cNvSpPr>
             <a:spLocks noGrp="1"/>
           </p:cNvSpPr>
@@ -1506,8 +1331,8 @@
         </p:nvSpPr>
         <p:spPr>
           <a:xfrm>
-            <a:off x="839788" y="365125"/>
-            <a:ext cx="10515600" cy="1325563"/>
+            <a:off x="755809" y="365126"/>
+            <a:ext cx="9464040" cy="1325563"/>
           </a:xfrm>
         </p:spPr>
         <p:txBody>
@@ -1518,18 +1343,13 @@
               <a:rPr lang="en-US"/>
               <a:t>Click to edit Master title style</a:t>
             </a:r>
-          </a:p>
-        </p:txBody>
-      </p:sp>
-      <p:sp>
-        <p:nvSpPr>
-          <p:cNvPr id="3" name="Text Placeholder 2">
-            <a:extLst>
-              <a:ext uri="{FF2B5EF4-FFF2-40B4-BE49-F238E27FC236}">
-                <a16:creationId xmlns:a16="http://schemas.microsoft.com/office/drawing/2014/main" id="{FCFE90B7-8C73-374F-AA10-EFA640645A09}"/>
-              </a:ext>
-            </a:extLst>
-          </p:cNvPr>
+            <a:endParaRPr lang="en-US" dirty="0"/>
+          </a:p>
+        </p:txBody>
+      </p:sp>
+      <p:sp>
+        <p:nvSpPr>
+          <p:cNvPr id="3" name="Text Placeholder 2"/>
           <p:cNvSpPr>
             <a:spLocks noGrp="1"/>
           </p:cNvSpPr>
@@ -1539,8 +1359,8 @@
         </p:nvSpPr>
         <p:spPr>
           <a:xfrm>
-            <a:off x="839788" y="1681163"/>
-            <a:ext cx="5157787" cy="823912"/>
+            <a:off x="755810" y="1681163"/>
+            <a:ext cx="4642008" cy="823912"/>
           </a:xfrm>
         </p:spPr>
         <p:txBody>
@@ -1548,39 +1368,39 @@
           <a:lstStyle>
             <a:lvl1pPr marL="0" indent="0">
               <a:buNone/>
-              <a:defRPr sz="2400" b="1"/>
+              <a:defRPr sz="2160" b="1"/>
             </a:lvl1pPr>
-            <a:lvl2pPr marL="457200" indent="0">
-              <a:buNone/>
-              <a:defRPr sz="2000" b="1"/>
+            <a:lvl2pPr marL="411480" indent="0">
+              <a:buNone/>
+              <a:defRPr sz="1800" b="1"/>
             </a:lvl2pPr>
-            <a:lvl3pPr marL="914400" indent="0">
-              <a:buNone/>
-              <a:defRPr sz="1800" b="1"/>
+            <a:lvl3pPr marL="822960" indent="0">
+              <a:buNone/>
+              <a:defRPr sz="1620" b="1"/>
             </a:lvl3pPr>
-            <a:lvl4pPr marL="1371600" indent="0">
-              <a:buNone/>
-              <a:defRPr sz="1600" b="1"/>
+            <a:lvl4pPr marL="1234440" indent="0">
+              <a:buNone/>
+              <a:defRPr sz="1440" b="1"/>
             </a:lvl4pPr>
-            <a:lvl5pPr marL="1828800" indent="0">
-              <a:buNone/>
-              <a:defRPr sz="1600" b="1"/>
+            <a:lvl5pPr marL="1645920" indent="0">
+              <a:buNone/>
+              <a:defRPr sz="1440" b="1"/>
             </a:lvl5pPr>
-            <a:lvl6pPr marL="2286000" indent="0">
-              <a:buNone/>
-              <a:defRPr sz="1600" b="1"/>
+            <a:lvl6pPr marL="2057400" indent="0">
+              <a:buNone/>
+              <a:defRPr sz="1440" b="1"/>
             </a:lvl6pPr>
-            <a:lvl7pPr marL="2743200" indent="0">
-              <a:buNone/>
-              <a:defRPr sz="1600" b="1"/>
+            <a:lvl7pPr marL="2468880" indent="0">
+              <a:buNone/>
+              <a:defRPr sz="1440" b="1"/>
             </a:lvl7pPr>
-            <a:lvl8pPr marL="3200400" indent="0">
-              <a:buNone/>
-              <a:defRPr sz="1600" b="1"/>
+            <a:lvl8pPr marL="2880360" indent="0">
+              <a:buNone/>
+              <a:defRPr sz="1440" b="1"/>
             </a:lvl8pPr>
-            <a:lvl9pPr marL="3657600" indent="0">
-              <a:buNone/>
-              <a:defRPr sz="1600" b="1"/>
+            <a:lvl9pPr marL="3291840" indent="0">
+              <a:buNone/>
+              <a:defRPr sz="1440" b="1"/>
             </a:lvl9pPr>
           </a:lstStyle>
           <a:p>
@@ -1594,13 +1414,7 @@
       </p:sp>
       <p:sp>
         <p:nvSpPr>
-          <p:cNvPr id="4" name="Content Placeholder 3">
-            <a:extLst>
-              <a:ext uri="{FF2B5EF4-FFF2-40B4-BE49-F238E27FC236}">
-                <a16:creationId xmlns:a16="http://schemas.microsoft.com/office/drawing/2014/main" id="{4142FC64-08AD-F143-9070-C356AA8BB299}"/>
-              </a:ext>
-            </a:extLst>
-          </p:cNvPr>
+          <p:cNvPr id="4" name="Content Placeholder 3"/>
           <p:cNvSpPr>
             <a:spLocks noGrp="1"/>
           </p:cNvSpPr>
@@ -1610,8 +1424,8 @@
         </p:nvSpPr>
         <p:spPr>
           <a:xfrm>
-            <a:off x="839788" y="2505075"/>
-            <a:ext cx="5157787" cy="3684588"/>
+            <a:off x="755810" y="2505075"/>
+            <a:ext cx="4642008" cy="3684588"/>
           </a:xfrm>
         </p:spPr>
         <p:txBody>
@@ -1651,18 +1465,13 @@
               <a:rPr lang="en-US"/>
               <a:t>Fifth level</a:t>
             </a:r>
-          </a:p>
-        </p:txBody>
-      </p:sp>
-      <p:sp>
-        <p:nvSpPr>
-          <p:cNvPr id="5" name="Text Placeholder 4">
-            <a:extLst>
-              <a:ext uri="{FF2B5EF4-FFF2-40B4-BE49-F238E27FC236}">
-                <a16:creationId xmlns:a16="http://schemas.microsoft.com/office/drawing/2014/main" id="{0A92DAD5-CE9B-2A4E-8793-E7F7EADB15CB}"/>
-              </a:ext>
-            </a:extLst>
-          </p:cNvPr>
+            <a:endParaRPr lang="en-US" dirty="0"/>
+          </a:p>
+        </p:txBody>
+      </p:sp>
+      <p:sp>
+        <p:nvSpPr>
+          <p:cNvPr id="5" name="Text Placeholder 4"/>
           <p:cNvSpPr>
             <a:spLocks noGrp="1"/>
           </p:cNvSpPr>
@@ -1672,8 +1481,8 @@
         </p:nvSpPr>
         <p:spPr>
           <a:xfrm>
-            <a:off x="6172200" y="1681163"/>
-            <a:ext cx="5183188" cy="823912"/>
+            <a:off x="5554980" y="1681163"/>
+            <a:ext cx="4664869" cy="823912"/>
           </a:xfrm>
         </p:spPr>
         <p:txBody>
@@ -1681,39 +1490,39 @@
           <a:lstStyle>
             <a:lvl1pPr marL="0" indent="0">
               <a:buNone/>
-              <a:defRPr sz="2400" b="1"/>
+              <a:defRPr sz="2160" b="1"/>
             </a:lvl1pPr>
-            <a:lvl2pPr marL="457200" indent="0">
-              <a:buNone/>
-              <a:defRPr sz="2000" b="1"/>
+            <a:lvl2pPr marL="411480" indent="0">
+              <a:buNone/>
+              <a:defRPr sz="1800" b="1"/>
             </a:lvl2pPr>
-            <a:lvl3pPr marL="914400" indent="0">
-              <a:buNone/>
-              <a:defRPr sz="1800" b="1"/>
+            <a:lvl3pPr marL="822960" indent="0">
+              <a:buNone/>
+              <a:defRPr sz="1620" b="1"/>
             </a:lvl3pPr>
-            <a:lvl4pPr marL="1371600" indent="0">
-              <a:buNone/>
-              <a:defRPr sz="1600" b="1"/>
+            <a:lvl4pPr marL="1234440" indent="0">
+              <a:buNone/>
+              <a:defRPr sz="1440" b="1"/>
             </a:lvl4pPr>
-            <a:lvl5pPr marL="1828800" indent="0">
-              <a:buNone/>
-              <a:defRPr sz="1600" b="1"/>
+            <a:lvl5pPr marL="1645920" indent="0">
+              <a:buNone/>
+              <a:defRPr sz="1440" b="1"/>
             </a:lvl5pPr>
-            <a:lvl6pPr marL="2286000" indent="0">
-              <a:buNone/>
-              <a:defRPr sz="1600" b="1"/>
+            <a:lvl6pPr marL="2057400" indent="0">
+              <a:buNone/>
+              <a:defRPr sz="1440" b="1"/>
             </a:lvl6pPr>
-            <a:lvl7pPr marL="2743200" indent="0">
-              <a:buNone/>
-              <a:defRPr sz="1600" b="1"/>
+            <a:lvl7pPr marL="2468880" indent="0">
+              <a:buNone/>
+              <a:defRPr sz="1440" b="1"/>
             </a:lvl7pPr>
-            <a:lvl8pPr marL="3200400" indent="0">
-              <a:buNone/>
-              <a:defRPr sz="1600" b="1"/>
+            <a:lvl8pPr marL="2880360" indent="0">
+              <a:buNone/>
+              <a:defRPr sz="1440" b="1"/>
             </a:lvl8pPr>
-            <a:lvl9pPr marL="3657600" indent="0">
-              <a:buNone/>
-              <a:defRPr sz="1600" b="1"/>
+            <a:lvl9pPr marL="3291840" indent="0">
+              <a:buNone/>
+              <a:defRPr sz="1440" b="1"/>
             </a:lvl9pPr>
           </a:lstStyle>
           <a:p>
@@ -1727,13 +1536,7 @@
       </p:sp>
       <p:sp>
         <p:nvSpPr>
-          <p:cNvPr id="6" name="Content Placeholder 5">
-            <a:extLst>
-              <a:ext uri="{FF2B5EF4-FFF2-40B4-BE49-F238E27FC236}">
-                <a16:creationId xmlns:a16="http://schemas.microsoft.com/office/drawing/2014/main" id="{4B4319A3-EC31-0944-97FF-781B21F179F0}"/>
-              </a:ext>
-            </a:extLst>
-          </p:cNvPr>
+          <p:cNvPr id="6" name="Content Placeholder 5"/>
           <p:cNvSpPr>
             <a:spLocks noGrp="1"/>
           </p:cNvSpPr>
@@ -1743,8 +1546,8 @@
         </p:nvSpPr>
         <p:spPr>
           <a:xfrm>
-            <a:off x="6172200" y="2505075"/>
-            <a:ext cx="5183188" cy="3684588"/>
+            <a:off x="5554980" y="2505075"/>
+            <a:ext cx="4664869" cy="3684588"/>
           </a:xfrm>
         </p:spPr>
         <p:txBody>
@@ -1784,18 +1587,13 @@
               <a:rPr lang="en-US"/>
               <a:t>Fifth level</a:t>
             </a:r>
-          </a:p>
-        </p:txBody>
-      </p:sp>
-      <p:sp>
-        <p:nvSpPr>
-          <p:cNvPr id="7" name="Date Placeholder 6">
-            <a:extLst>
-              <a:ext uri="{FF2B5EF4-FFF2-40B4-BE49-F238E27FC236}">
-                <a16:creationId xmlns:a16="http://schemas.microsoft.com/office/drawing/2014/main" id="{6BCA7163-6354-E74C-B3B9-CBBF605A35C4}"/>
-              </a:ext>
-            </a:extLst>
-          </p:cNvPr>
+            <a:endParaRPr lang="en-US" dirty="0"/>
+          </a:p>
+        </p:txBody>
+      </p:sp>
+      <p:sp>
+        <p:nvSpPr>
+          <p:cNvPr id="7" name="Date Placeholder 6"/>
           <p:cNvSpPr>
             <a:spLocks noGrp="1"/>
           </p:cNvSpPr>
@@ -1810,7 +1608,7 @@
           <a:p>
             <a:fld id="{669F0FDE-3FB8-7041-B759-6391409DDB8C}" type="datetimeFigureOut">
               <a:rPr lang="en-US" smtClean="0"/>
-              <a:t>5/8/18</a:t>
+              <a:t>5/13/18</a:t>
             </a:fld>
             <a:endParaRPr lang="en-US"/>
           </a:p>
@@ -1818,13 +1616,7 @@
       </p:sp>
       <p:sp>
         <p:nvSpPr>
-          <p:cNvPr id="8" name="Footer Placeholder 7">
-            <a:extLst>
-              <a:ext uri="{FF2B5EF4-FFF2-40B4-BE49-F238E27FC236}">
-                <a16:creationId xmlns:a16="http://schemas.microsoft.com/office/drawing/2014/main" id="{4A143096-E5DB-7547-99CB-8CAE7DF362D0}"/>
-              </a:ext>
-            </a:extLst>
-          </p:cNvPr>
+          <p:cNvPr id="8" name="Footer Placeholder 7"/>
           <p:cNvSpPr>
             <a:spLocks noGrp="1"/>
           </p:cNvSpPr>
@@ -1843,13 +1635,7 @@
       </p:sp>
       <p:sp>
         <p:nvSpPr>
-          <p:cNvPr id="9" name="Slide Number Placeholder 8">
-            <a:extLst>
-              <a:ext uri="{FF2B5EF4-FFF2-40B4-BE49-F238E27FC236}">
-                <a16:creationId xmlns:a16="http://schemas.microsoft.com/office/drawing/2014/main" id="{973615AB-8789-B849-84EC-8C88AEC5DE0A}"/>
-              </a:ext>
-            </a:extLst>
-          </p:cNvPr>
+          <p:cNvPr id="9" name="Slide Number Placeholder 8"/>
           <p:cNvSpPr>
             <a:spLocks noGrp="1"/>
           </p:cNvSpPr>
@@ -1873,7 +1659,7 @@
     </p:spTree>
     <p:extLst>
       <p:ext uri="{BB962C8B-B14F-4D97-AF65-F5344CB8AC3E}">
-        <p14:creationId xmlns:p14="http://schemas.microsoft.com/office/powerpoint/2010/main" val="4156731907"/>
+        <p14:creationId xmlns:p14="http://schemas.microsoft.com/office/powerpoint/2010/main" val="994708031"/>
       </p:ext>
     </p:extLst>
   </p:cSld>
@@ -1902,13 +1688,7 @@
       </p:grpSpPr>
       <p:sp>
         <p:nvSpPr>
-          <p:cNvPr id="2" name="Title 1">
-            <a:extLst>
-              <a:ext uri="{FF2B5EF4-FFF2-40B4-BE49-F238E27FC236}">
-                <a16:creationId xmlns:a16="http://schemas.microsoft.com/office/drawing/2014/main" id="{4F006BE5-8FCC-8344-A285-3F8E06D1F9D5}"/>
-              </a:ext>
-            </a:extLst>
-          </p:cNvPr>
+          <p:cNvPr id="2" name="Title 1"/>
           <p:cNvSpPr>
             <a:spLocks noGrp="1"/>
           </p:cNvSpPr>
@@ -1925,18 +1705,13 @@
               <a:rPr lang="en-US"/>
               <a:t>Click to edit Master title style</a:t>
             </a:r>
-          </a:p>
-        </p:txBody>
-      </p:sp>
-      <p:sp>
-        <p:nvSpPr>
-          <p:cNvPr id="3" name="Date Placeholder 2">
-            <a:extLst>
-              <a:ext uri="{FF2B5EF4-FFF2-40B4-BE49-F238E27FC236}">
-                <a16:creationId xmlns:a16="http://schemas.microsoft.com/office/drawing/2014/main" id="{1B9DF26C-C034-E744-BF3D-D48F8E40FC09}"/>
-              </a:ext>
-            </a:extLst>
-          </p:cNvPr>
+            <a:endParaRPr lang="en-US" dirty="0"/>
+          </a:p>
+        </p:txBody>
+      </p:sp>
+      <p:sp>
+        <p:nvSpPr>
+          <p:cNvPr id="3" name="Date Placeholder 2"/>
           <p:cNvSpPr>
             <a:spLocks noGrp="1"/>
           </p:cNvSpPr>
@@ -1951,7 +1726,7 @@
           <a:p>
             <a:fld id="{669F0FDE-3FB8-7041-B759-6391409DDB8C}" type="datetimeFigureOut">
               <a:rPr lang="en-US" smtClean="0"/>
-              <a:t>5/8/18</a:t>
+              <a:t>5/13/18</a:t>
             </a:fld>
             <a:endParaRPr lang="en-US"/>
           </a:p>
@@ -1959,13 +1734,7 @@
       </p:sp>
       <p:sp>
         <p:nvSpPr>
-          <p:cNvPr id="4" name="Footer Placeholder 3">
-            <a:extLst>
-              <a:ext uri="{FF2B5EF4-FFF2-40B4-BE49-F238E27FC236}">
-                <a16:creationId xmlns:a16="http://schemas.microsoft.com/office/drawing/2014/main" id="{3A091ADE-4C33-8D45-9452-53F16A0F5D1E}"/>
-              </a:ext>
-            </a:extLst>
-          </p:cNvPr>
+          <p:cNvPr id="4" name="Footer Placeholder 3"/>
           <p:cNvSpPr>
             <a:spLocks noGrp="1"/>
           </p:cNvSpPr>
@@ -1984,13 +1753,7 @@
       </p:sp>
       <p:sp>
         <p:nvSpPr>
-          <p:cNvPr id="5" name="Slide Number Placeholder 4">
-            <a:extLst>
-              <a:ext uri="{FF2B5EF4-FFF2-40B4-BE49-F238E27FC236}">
-                <a16:creationId xmlns:a16="http://schemas.microsoft.com/office/drawing/2014/main" id="{23CB205A-A4D0-344F-985E-582D0A42CE0D}"/>
-              </a:ext>
-            </a:extLst>
-          </p:cNvPr>
+          <p:cNvPr id="5" name="Slide Number Placeholder 4"/>
           <p:cNvSpPr>
             <a:spLocks noGrp="1"/>
           </p:cNvSpPr>
@@ -2014,7 +1777,7 @@
     </p:spTree>
     <p:extLst>
       <p:ext uri="{BB962C8B-B14F-4D97-AF65-F5344CB8AC3E}">
-        <p14:creationId xmlns:p14="http://schemas.microsoft.com/office/powerpoint/2010/main" val="1843960350"/>
+        <p14:creationId xmlns:p14="http://schemas.microsoft.com/office/powerpoint/2010/main" val="4070074851"/>
       </p:ext>
     </p:extLst>
   </p:cSld>
@@ -2043,13 +1806,7 @@
       </p:grpSpPr>
       <p:sp>
         <p:nvSpPr>
-          <p:cNvPr id="2" name="Date Placeholder 1">
-            <a:extLst>
-              <a:ext uri="{FF2B5EF4-FFF2-40B4-BE49-F238E27FC236}">
-                <a16:creationId xmlns:a16="http://schemas.microsoft.com/office/drawing/2014/main" id="{096E6E86-72B5-FC4A-A319-903AD70DD8D3}"/>
-              </a:ext>
-            </a:extLst>
-          </p:cNvPr>
+          <p:cNvPr id="2" name="Date Placeholder 1"/>
           <p:cNvSpPr>
             <a:spLocks noGrp="1"/>
           </p:cNvSpPr>
@@ -2064,7 +1821,7 @@
           <a:p>
             <a:fld id="{669F0FDE-3FB8-7041-B759-6391409DDB8C}" type="datetimeFigureOut">
               <a:rPr lang="en-US" smtClean="0"/>
-              <a:t>5/8/18</a:t>
+              <a:t>5/13/18</a:t>
             </a:fld>
             <a:endParaRPr lang="en-US"/>
           </a:p>
@@ -2072,13 +1829,7 @@
       </p:sp>
       <p:sp>
         <p:nvSpPr>
-          <p:cNvPr id="3" name="Footer Placeholder 2">
-            <a:extLst>
-              <a:ext uri="{FF2B5EF4-FFF2-40B4-BE49-F238E27FC236}">
-                <a16:creationId xmlns:a16="http://schemas.microsoft.com/office/drawing/2014/main" id="{CCD99B68-FD5F-7741-A35A-50073CE15904}"/>
-              </a:ext>
-            </a:extLst>
-          </p:cNvPr>
+          <p:cNvPr id="3" name="Footer Placeholder 2"/>
           <p:cNvSpPr>
             <a:spLocks noGrp="1"/>
           </p:cNvSpPr>
@@ -2097,13 +1848,7 @@
       </p:sp>
       <p:sp>
         <p:nvSpPr>
-          <p:cNvPr id="4" name="Slide Number Placeholder 3">
-            <a:extLst>
-              <a:ext uri="{FF2B5EF4-FFF2-40B4-BE49-F238E27FC236}">
-                <a16:creationId xmlns:a16="http://schemas.microsoft.com/office/drawing/2014/main" id="{23192DAA-4F81-1543-B323-25EA390F084C}"/>
-              </a:ext>
-            </a:extLst>
-          </p:cNvPr>
+          <p:cNvPr id="4" name="Slide Number Placeholder 3"/>
           <p:cNvSpPr>
             <a:spLocks noGrp="1"/>
           </p:cNvSpPr>
@@ -2127,7 +1872,7 @@
     </p:spTree>
     <p:extLst>
       <p:ext uri="{BB962C8B-B14F-4D97-AF65-F5344CB8AC3E}">
-        <p14:creationId xmlns:p14="http://schemas.microsoft.com/office/powerpoint/2010/main" val="3594106504"/>
+        <p14:creationId xmlns:p14="http://schemas.microsoft.com/office/powerpoint/2010/main" val="2011183922"/>
       </p:ext>
     </p:extLst>
   </p:cSld>
@@ -2156,13 +1901,7 @@
       </p:grpSpPr>
       <p:sp>
         <p:nvSpPr>
-          <p:cNvPr id="2" name="Title 1">
-            <a:extLst>
-              <a:ext uri="{FF2B5EF4-FFF2-40B4-BE49-F238E27FC236}">
-                <a16:creationId xmlns:a16="http://schemas.microsoft.com/office/drawing/2014/main" id="{EFF390D5-A2E2-184B-8B2F-2C75A9F0157E}"/>
-              </a:ext>
-            </a:extLst>
-          </p:cNvPr>
+          <p:cNvPr id="2" name="Title 1"/>
           <p:cNvSpPr>
             <a:spLocks noGrp="1"/>
           </p:cNvSpPr>
@@ -2172,15 +1911,15 @@
         </p:nvSpPr>
         <p:spPr>
           <a:xfrm>
-            <a:off x="839788" y="457200"/>
-            <a:ext cx="3932237" cy="1600200"/>
+            <a:off x="755810" y="457200"/>
+            <a:ext cx="3539013" cy="1600200"/>
           </a:xfrm>
         </p:spPr>
         <p:txBody>
           <a:bodyPr anchor="b"/>
           <a:lstStyle>
             <a:lvl1pPr>
-              <a:defRPr sz="3200"/>
+              <a:defRPr sz="2880"/>
             </a:lvl1pPr>
           </a:lstStyle>
           <a:p>
@@ -2188,18 +1927,13 @@
               <a:rPr lang="en-US"/>
               <a:t>Click to edit Master title style</a:t>
             </a:r>
-          </a:p>
-        </p:txBody>
-      </p:sp>
-      <p:sp>
-        <p:nvSpPr>
-          <p:cNvPr id="3" name="Content Placeholder 2">
-            <a:extLst>
-              <a:ext uri="{FF2B5EF4-FFF2-40B4-BE49-F238E27FC236}">
-                <a16:creationId xmlns:a16="http://schemas.microsoft.com/office/drawing/2014/main" id="{6C9727AF-F1F3-114A-B860-3C6BA61D97A4}"/>
-              </a:ext>
-            </a:extLst>
-          </p:cNvPr>
+            <a:endParaRPr lang="en-US" dirty="0"/>
+          </a:p>
+        </p:txBody>
+      </p:sp>
+      <p:sp>
+        <p:nvSpPr>
+          <p:cNvPr id="3" name="Content Placeholder 2"/>
           <p:cNvSpPr>
             <a:spLocks noGrp="1"/>
           </p:cNvSpPr>
@@ -2209,39 +1943,39 @@
         </p:nvSpPr>
         <p:spPr>
           <a:xfrm>
-            <a:off x="5183188" y="987425"/>
-            <a:ext cx="6172200" cy="4873625"/>
+            <a:off x="4664869" y="987426"/>
+            <a:ext cx="5554980" cy="4873625"/>
           </a:xfrm>
         </p:spPr>
         <p:txBody>
           <a:bodyPr/>
           <a:lstStyle>
             <a:lvl1pPr>
-              <a:defRPr sz="3200"/>
+              <a:defRPr sz="2880"/>
             </a:lvl1pPr>
             <a:lvl2pPr>
-              <a:defRPr sz="2800"/>
+              <a:defRPr sz="2520"/>
             </a:lvl2pPr>
             <a:lvl3pPr>
-              <a:defRPr sz="2400"/>
+              <a:defRPr sz="2160"/>
             </a:lvl3pPr>
             <a:lvl4pPr>
-              <a:defRPr sz="2000"/>
+              <a:defRPr sz="1800"/>
             </a:lvl4pPr>
             <a:lvl5pPr>
-              <a:defRPr sz="2000"/>
+              <a:defRPr sz="1800"/>
             </a:lvl5pPr>
             <a:lvl6pPr>
-              <a:defRPr sz="2000"/>
+              <a:defRPr sz="1800"/>
             </a:lvl6pPr>
             <a:lvl7pPr>
-              <a:defRPr sz="2000"/>
+              <a:defRPr sz="1800"/>
             </a:lvl7pPr>
             <a:lvl8pPr>
-              <a:defRPr sz="2000"/>
+              <a:defRPr sz="1800"/>
             </a:lvl8pPr>
             <a:lvl9pPr>
-              <a:defRPr sz="2000"/>
+              <a:defRPr sz="1800"/>
             </a:lvl9pPr>
           </a:lstStyle>
           <a:p>
@@ -2278,18 +2012,13 @@
               <a:rPr lang="en-US"/>
               <a:t>Fifth level</a:t>
             </a:r>
-          </a:p>
-        </p:txBody>
-      </p:sp>
-      <p:sp>
-        <p:nvSpPr>
-          <p:cNvPr id="4" name="Text Placeholder 3">
-            <a:extLst>
-              <a:ext uri="{FF2B5EF4-FFF2-40B4-BE49-F238E27FC236}">
-                <a16:creationId xmlns:a16="http://schemas.microsoft.com/office/drawing/2014/main" id="{A518B70E-CCF6-9F4C-BB21-E7F7BA3D7C23}"/>
-              </a:ext>
-            </a:extLst>
-          </p:cNvPr>
+            <a:endParaRPr lang="en-US" dirty="0"/>
+          </a:p>
+        </p:txBody>
+      </p:sp>
+      <p:sp>
+        <p:nvSpPr>
+          <p:cNvPr id="4" name="Text Placeholder 3"/>
           <p:cNvSpPr>
             <a:spLocks noGrp="1"/>
           </p:cNvSpPr>
@@ -2299,8 +2028,8 @@
         </p:nvSpPr>
         <p:spPr>
           <a:xfrm>
-            <a:off x="839788" y="2057400"/>
-            <a:ext cx="3932237" cy="3811588"/>
+            <a:off x="755810" y="2057400"/>
+            <a:ext cx="3539013" cy="3811588"/>
           </a:xfrm>
         </p:spPr>
         <p:txBody>
@@ -2308,39 +2037,39 @@
           <a:lstStyle>
             <a:lvl1pPr marL="0" indent="0">
               <a:buNone/>
-              <a:defRPr sz="1600"/>
+              <a:defRPr sz="1440"/>
             </a:lvl1pPr>
-            <a:lvl2pPr marL="457200" indent="0">
-              <a:buNone/>
-              <a:defRPr sz="1400"/>
+            <a:lvl2pPr marL="411480" indent="0">
+              <a:buNone/>
+              <a:defRPr sz="1260"/>
             </a:lvl2pPr>
-            <a:lvl3pPr marL="914400" indent="0">
-              <a:buNone/>
-              <a:defRPr sz="1200"/>
+            <a:lvl3pPr marL="822960" indent="0">
+              <a:buNone/>
+              <a:defRPr sz="1080"/>
             </a:lvl3pPr>
-            <a:lvl4pPr marL="1371600" indent="0">
-              <a:buNone/>
-              <a:defRPr sz="1000"/>
+            <a:lvl4pPr marL="1234440" indent="0">
+              <a:buNone/>
+              <a:defRPr sz="900"/>
             </a:lvl4pPr>
-            <a:lvl5pPr marL="1828800" indent="0">
-              <a:buNone/>
-              <a:defRPr sz="1000"/>
+            <a:lvl5pPr marL="1645920" indent="0">
+              <a:buNone/>
+              <a:defRPr sz="900"/>
             </a:lvl5pPr>
-            <a:lvl6pPr marL="2286000" indent="0">
-              <a:buNone/>
-              <a:defRPr sz="1000"/>
+            <a:lvl6pPr marL="2057400" indent="0">
+              <a:buNone/>
+              <a:defRPr sz="900"/>
             </a:lvl6pPr>
-            <a:lvl7pPr marL="2743200" indent="0">
-              <a:buNone/>
-              <a:defRPr sz="1000"/>
+            <a:lvl7pPr marL="2468880" indent="0">
+              <a:buNone/>
+              <a:defRPr sz="900"/>
             </a:lvl7pPr>
-            <a:lvl8pPr marL="3200400" indent="0">
-              <a:buNone/>
-              <a:defRPr sz="1000"/>
+            <a:lvl8pPr marL="2880360" indent="0">
+              <a:buNone/>
+              <a:defRPr sz="900"/>
             </a:lvl8pPr>
-            <a:lvl9pPr marL="3657600" indent="0">
-              <a:buNone/>
-              <a:defRPr sz="1000"/>
+            <a:lvl9pPr marL="3291840" indent="0">
+              <a:buNone/>
+              <a:defRPr sz="900"/>
             </a:lvl9pPr>
           </a:lstStyle>
           <a:p>
@@ -2354,13 +2083,7 @@
       </p:sp>
       <p:sp>
         <p:nvSpPr>
-          <p:cNvPr id="5" name="Date Placeholder 4">
-            <a:extLst>
-              <a:ext uri="{FF2B5EF4-FFF2-40B4-BE49-F238E27FC236}">
-                <a16:creationId xmlns:a16="http://schemas.microsoft.com/office/drawing/2014/main" id="{14952584-77A3-E84C-818B-8A7D4651CCFC}"/>
-              </a:ext>
-            </a:extLst>
-          </p:cNvPr>
+          <p:cNvPr id="5" name="Date Placeholder 4"/>
           <p:cNvSpPr>
             <a:spLocks noGrp="1"/>
           </p:cNvSpPr>
@@ -2375,7 +2098,7 @@
           <a:p>
             <a:fld id="{669F0FDE-3FB8-7041-B759-6391409DDB8C}" type="datetimeFigureOut">
               <a:rPr lang="en-US" smtClean="0"/>
-              <a:t>5/8/18</a:t>
+              <a:t>5/13/18</a:t>
             </a:fld>
             <a:endParaRPr lang="en-US"/>
           </a:p>
@@ -2383,13 +2106,7 @@
       </p:sp>
       <p:sp>
         <p:nvSpPr>
-          <p:cNvPr id="6" name="Footer Placeholder 5">
-            <a:extLst>
-              <a:ext uri="{FF2B5EF4-FFF2-40B4-BE49-F238E27FC236}">
-                <a16:creationId xmlns:a16="http://schemas.microsoft.com/office/drawing/2014/main" id="{686BC0C5-EF00-E849-ACC0-29FC9B254D7C}"/>
-              </a:ext>
-            </a:extLst>
-          </p:cNvPr>
+          <p:cNvPr id="6" name="Footer Placeholder 5"/>
           <p:cNvSpPr>
             <a:spLocks noGrp="1"/>
           </p:cNvSpPr>
@@ -2408,13 +2125,7 @@
       </p:sp>
       <p:sp>
         <p:nvSpPr>
-          <p:cNvPr id="7" name="Slide Number Placeholder 6">
-            <a:extLst>
-              <a:ext uri="{FF2B5EF4-FFF2-40B4-BE49-F238E27FC236}">
-                <a16:creationId xmlns:a16="http://schemas.microsoft.com/office/drawing/2014/main" id="{08251DA6-F2B5-304D-8488-6DB561238E55}"/>
-              </a:ext>
-            </a:extLst>
-          </p:cNvPr>
+          <p:cNvPr id="7" name="Slide Number Placeholder 6"/>
           <p:cNvSpPr>
             <a:spLocks noGrp="1"/>
           </p:cNvSpPr>
@@ -2438,7 +2149,7 @@
     </p:spTree>
     <p:extLst>
       <p:ext uri="{BB962C8B-B14F-4D97-AF65-F5344CB8AC3E}">
-        <p14:creationId xmlns:p14="http://schemas.microsoft.com/office/powerpoint/2010/main" val="3062349396"/>
+        <p14:creationId xmlns:p14="http://schemas.microsoft.com/office/powerpoint/2010/main" val="1379878641"/>
       </p:ext>
     </p:extLst>
   </p:cSld>
@@ -2467,13 +2178,7 @@
       </p:grpSpPr>
       <p:sp>
         <p:nvSpPr>
-          <p:cNvPr id="2" name="Title 1">
-            <a:extLst>
-              <a:ext uri="{FF2B5EF4-FFF2-40B4-BE49-F238E27FC236}">
-                <a16:creationId xmlns:a16="http://schemas.microsoft.com/office/drawing/2014/main" id="{E4419BED-F116-2743-B052-4716F66737AD}"/>
-              </a:ext>
-            </a:extLst>
-          </p:cNvPr>
+          <p:cNvPr id="2" name="Title 1"/>
           <p:cNvSpPr>
             <a:spLocks noGrp="1"/>
           </p:cNvSpPr>
@@ -2483,15 +2188,15 @@
         </p:nvSpPr>
         <p:spPr>
           <a:xfrm>
-            <a:off x="839788" y="457200"/>
-            <a:ext cx="3932237" cy="1600200"/>
+            <a:off x="755810" y="457200"/>
+            <a:ext cx="3539013" cy="1600200"/>
           </a:xfrm>
         </p:spPr>
         <p:txBody>
           <a:bodyPr anchor="b"/>
           <a:lstStyle>
             <a:lvl1pPr>
-              <a:defRPr sz="3200"/>
+              <a:defRPr sz="2880"/>
             </a:lvl1pPr>
           </a:lstStyle>
           <a:p>
@@ -2499,20 +2204,15 @@
               <a:rPr lang="en-US"/>
               <a:t>Click to edit Master title style</a:t>
             </a:r>
-          </a:p>
-        </p:txBody>
-      </p:sp>
-      <p:sp>
-        <p:nvSpPr>
-          <p:cNvPr id="3" name="Picture Placeholder 2">
-            <a:extLst>
-              <a:ext uri="{FF2B5EF4-FFF2-40B4-BE49-F238E27FC236}">
-                <a16:creationId xmlns:a16="http://schemas.microsoft.com/office/drawing/2014/main" id="{FEC37693-E0EC-4648-859A-175531C212EE}"/>
-              </a:ext>
-            </a:extLst>
-          </p:cNvPr>
-          <p:cNvSpPr>
-            <a:spLocks noGrp="1"/>
+            <a:endParaRPr lang="en-US" dirty="0"/>
+          </a:p>
+        </p:txBody>
+      </p:sp>
+      <p:sp>
+        <p:nvSpPr>
+          <p:cNvPr id="3" name="Picture Placeholder 2"/>
+          <p:cNvSpPr>
+            <a:spLocks noGrp="1" noChangeAspect="1"/>
           </p:cNvSpPr>
           <p:nvPr>
             <p:ph type="pic" idx="1"/>
@@ -2520,64 +2220,62 @@
         </p:nvSpPr>
         <p:spPr>
           <a:xfrm>
-            <a:off x="5183188" y="987425"/>
-            <a:ext cx="6172200" cy="4873625"/>
+            <a:off x="4664869" y="987426"/>
+            <a:ext cx="5554980" cy="4873625"/>
           </a:xfrm>
         </p:spPr>
         <p:txBody>
-          <a:bodyPr/>
+          <a:bodyPr anchor="t"/>
           <a:lstStyle>
             <a:lvl1pPr marL="0" indent="0">
               <a:buNone/>
-              <a:defRPr sz="3200"/>
+              <a:defRPr sz="2880"/>
             </a:lvl1pPr>
-            <a:lvl2pPr marL="457200" indent="0">
-              <a:buNone/>
-              <a:defRPr sz="2800"/>
+            <a:lvl2pPr marL="411480" indent="0">
+              <a:buNone/>
+              <a:defRPr sz="2520"/>
             </a:lvl2pPr>
-            <a:lvl3pPr marL="914400" indent="0">
-              <a:buNone/>
-              <a:defRPr sz="2400"/>
+            <a:lvl3pPr marL="822960" indent="0">
+              <a:buNone/>
+              <a:defRPr sz="2160"/>
             </a:lvl3pPr>
-            <a:lvl4pPr marL="1371600" indent="0">
-              <a:buNone/>
-              <a:defRPr sz="2000"/>
+            <a:lvl4pPr marL="1234440" indent="0">
+              <a:buNone/>
+              <a:defRPr sz="1800"/>
             </a:lvl4pPr>
-            <a:lvl5pPr marL="1828800" indent="0">
-              <a:buNone/>
-              <a:defRPr sz="2000"/>
+            <a:lvl5pPr marL="1645920" indent="0">
+              <a:buNone/>
+              <a:defRPr sz="1800"/>
             </a:lvl5pPr>
-            <a:lvl6pPr marL="2286000" indent="0">
-              <a:buNone/>
-              <a:defRPr sz="2000"/>
+            <a:lvl6pPr marL="2057400" indent="0">
+              <a:buNone/>
+              <a:defRPr sz="1800"/>
             </a:lvl6pPr>
-            <a:lvl7pPr marL="2743200" indent="0">
-              <a:buNone/>
-              <a:defRPr sz="2000"/>
+            <a:lvl7pPr marL="2468880" indent="0">
+              <a:buNone/>
+              <a:defRPr sz="1800"/>
             </a:lvl7pPr>
-            <a:lvl8pPr marL="3200400" indent="0">
-              <a:buNone/>
-              <a:defRPr sz="2000"/>
+            <a:lvl8pPr marL="2880360" indent="0">
+              <a:buNone/>
+              <a:defRPr sz="1800"/>
             </a:lvl8pPr>
-            <a:lvl9pPr marL="3657600" indent="0">
-              <a:buNone/>
-              <a:defRPr sz="2000"/>
+            <a:lvl9pPr marL="3291840" indent="0">
+              <a:buNone/>
+              <a:defRPr sz="1800"/>
             </a:lvl9pPr>
           </a:lstStyle>
           <a:p>
-            <a:endParaRPr lang="en-US"/>
-          </a:p>
-        </p:txBody>
-      </p:sp>
-      <p:sp>
-        <p:nvSpPr>
-          <p:cNvPr id="4" name="Text Placeholder 3">
-            <a:extLst>
-              <a:ext uri="{FF2B5EF4-FFF2-40B4-BE49-F238E27FC236}">
-                <a16:creationId xmlns:a16="http://schemas.microsoft.com/office/drawing/2014/main" id="{BE7C0631-D7CE-3A41-9957-090225C3BD45}"/>
-              </a:ext>
-            </a:extLst>
-          </p:cNvPr>
+            <a:r>
+              <a:rPr lang="en-US"/>
+              <a:t>Click icon to add picture</a:t>
+            </a:r>
+            <a:endParaRPr lang="en-US" dirty="0"/>
+          </a:p>
+        </p:txBody>
+      </p:sp>
+      <p:sp>
+        <p:nvSpPr>
+          <p:cNvPr id="4" name="Text Placeholder 3"/>
           <p:cNvSpPr>
             <a:spLocks noGrp="1"/>
           </p:cNvSpPr>
@@ -2587,8 +2285,8 @@
         </p:nvSpPr>
         <p:spPr>
           <a:xfrm>
-            <a:off x="839788" y="2057400"/>
-            <a:ext cx="3932237" cy="3811588"/>
+            <a:off x="755810" y="2057400"/>
+            <a:ext cx="3539013" cy="3811588"/>
           </a:xfrm>
         </p:spPr>
         <p:txBody>
@@ -2596,39 +2294,39 @@
           <a:lstStyle>
             <a:lvl1pPr marL="0" indent="0">
               <a:buNone/>
-              <a:defRPr sz="1600"/>
+              <a:defRPr sz="1440"/>
             </a:lvl1pPr>
-            <a:lvl2pPr marL="457200" indent="0">
-              <a:buNone/>
-              <a:defRPr sz="1400"/>
+            <a:lvl2pPr marL="411480" indent="0">
+              <a:buNone/>
+              <a:defRPr sz="1260"/>
             </a:lvl2pPr>
-            <a:lvl3pPr marL="914400" indent="0">
-              <a:buNone/>
-              <a:defRPr sz="1200"/>
+            <a:lvl3pPr marL="822960" indent="0">
+              <a:buNone/>
+              <a:defRPr sz="1080"/>
             </a:lvl3pPr>
-            <a:lvl4pPr marL="1371600" indent="0">
-              <a:buNone/>
-              <a:defRPr sz="1000"/>
+            <a:lvl4pPr marL="1234440" indent="0">
+              <a:buNone/>
+              <a:defRPr sz="900"/>
             </a:lvl4pPr>
-            <a:lvl5pPr marL="1828800" indent="0">
-              <a:buNone/>
-              <a:defRPr sz="1000"/>
+            <a:lvl5pPr marL="1645920" indent="0">
+              <a:buNone/>
+              <a:defRPr sz="900"/>
             </a:lvl5pPr>
-            <a:lvl6pPr marL="2286000" indent="0">
-              <a:buNone/>
-              <a:defRPr sz="1000"/>
+            <a:lvl6pPr marL="2057400" indent="0">
+              <a:buNone/>
+              <a:defRPr sz="900"/>
             </a:lvl6pPr>
-            <a:lvl7pPr marL="2743200" indent="0">
-              <a:buNone/>
-              <a:defRPr sz="1000"/>
+            <a:lvl7pPr marL="2468880" indent="0">
+              <a:buNone/>
+              <a:defRPr sz="900"/>
             </a:lvl7pPr>
-            <a:lvl8pPr marL="3200400" indent="0">
-              <a:buNone/>
-              <a:defRPr sz="1000"/>
+            <a:lvl8pPr marL="2880360" indent="0">
+              <a:buNone/>
+              <a:defRPr sz="900"/>
             </a:lvl8pPr>
-            <a:lvl9pPr marL="3657600" indent="0">
-              <a:buNone/>
-              <a:defRPr sz="1000"/>
+            <a:lvl9pPr marL="3291840" indent="0">
+              <a:buNone/>
+              <a:defRPr sz="900"/>
             </a:lvl9pPr>
           </a:lstStyle>
           <a:p>
@@ -2642,13 +2340,7 @@
       </p:sp>
       <p:sp>
         <p:nvSpPr>
-          <p:cNvPr id="5" name="Date Placeholder 4">
-            <a:extLst>
-              <a:ext uri="{FF2B5EF4-FFF2-40B4-BE49-F238E27FC236}">
-                <a16:creationId xmlns:a16="http://schemas.microsoft.com/office/drawing/2014/main" id="{8807D2CB-48A1-104D-86F1-DD86E81599F3}"/>
-              </a:ext>
-            </a:extLst>
-          </p:cNvPr>
+          <p:cNvPr id="5" name="Date Placeholder 4"/>
           <p:cNvSpPr>
             <a:spLocks noGrp="1"/>
           </p:cNvSpPr>
@@ -2663,7 +2355,7 @@
           <a:p>
             <a:fld id="{669F0FDE-3FB8-7041-B759-6391409DDB8C}" type="datetimeFigureOut">
               <a:rPr lang="en-US" smtClean="0"/>
-              <a:t>5/8/18</a:t>
+              <a:t>5/13/18</a:t>
             </a:fld>
             <a:endParaRPr lang="en-US"/>
           </a:p>
@@ -2671,13 +2363,7 @@
       </p:sp>
       <p:sp>
         <p:nvSpPr>
-          <p:cNvPr id="6" name="Footer Placeholder 5">
-            <a:extLst>
-              <a:ext uri="{FF2B5EF4-FFF2-40B4-BE49-F238E27FC236}">
-                <a16:creationId xmlns:a16="http://schemas.microsoft.com/office/drawing/2014/main" id="{D31AF6FC-3486-4741-BA62-E69238ADE434}"/>
-              </a:ext>
-            </a:extLst>
-          </p:cNvPr>
+          <p:cNvPr id="6" name="Footer Placeholder 5"/>
           <p:cNvSpPr>
             <a:spLocks noGrp="1"/>
           </p:cNvSpPr>
@@ -2696,13 +2382,7 @@
       </p:sp>
       <p:sp>
         <p:nvSpPr>
-          <p:cNvPr id="7" name="Slide Number Placeholder 6">
-            <a:extLst>
-              <a:ext uri="{FF2B5EF4-FFF2-40B4-BE49-F238E27FC236}">
-                <a16:creationId xmlns:a16="http://schemas.microsoft.com/office/drawing/2014/main" id="{19190E21-BC19-174E-B533-21B65993E969}"/>
-              </a:ext>
-            </a:extLst>
-          </p:cNvPr>
+          <p:cNvPr id="7" name="Slide Number Placeholder 6"/>
           <p:cNvSpPr>
             <a:spLocks noGrp="1"/>
           </p:cNvSpPr>
@@ -2726,7 +2406,7 @@
     </p:spTree>
     <p:extLst>
       <p:ext uri="{BB962C8B-B14F-4D97-AF65-F5344CB8AC3E}">
-        <p14:creationId xmlns:p14="http://schemas.microsoft.com/office/powerpoint/2010/main" val="375345210"/>
+        <p14:creationId xmlns:p14="http://schemas.microsoft.com/office/powerpoint/2010/main" val="4011805443"/>
       </p:ext>
     </p:extLst>
   </p:cSld>
@@ -2760,13 +2440,7 @@
       </p:grpSpPr>
       <p:sp>
         <p:nvSpPr>
-          <p:cNvPr id="2" name="Title Placeholder 1">
-            <a:extLst>
-              <a:ext uri="{FF2B5EF4-FFF2-40B4-BE49-F238E27FC236}">
-                <a16:creationId xmlns:a16="http://schemas.microsoft.com/office/drawing/2014/main" id="{CF1C5DD5-C9EB-9846-B2C4-E39B7D834182}"/>
-              </a:ext>
-            </a:extLst>
-          </p:cNvPr>
+          <p:cNvPr id="2" name="Title Placeholder 1"/>
           <p:cNvSpPr>
             <a:spLocks noGrp="1"/>
           </p:cNvSpPr>
@@ -2776,8 +2450,8 @@
         </p:nvSpPr>
         <p:spPr>
           <a:xfrm>
-            <a:off x="838200" y="365125"/>
-            <a:ext cx="10515600" cy="1325563"/>
+            <a:off x="754380" y="365126"/>
+            <a:ext cx="9464040" cy="1325563"/>
           </a:xfrm>
           <a:prstGeom prst="rect">
             <a:avLst/>
@@ -2793,18 +2467,13 @@
               <a:rPr lang="en-US"/>
               <a:t>Click to edit Master title style</a:t>
             </a:r>
-          </a:p>
-        </p:txBody>
-      </p:sp>
-      <p:sp>
-        <p:nvSpPr>
-          <p:cNvPr id="3" name="Text Placeholder 2">
-            <a:extLst>
-              <a:ext uri="{FF2B5EF4-FFF2-40B4-BE49-F238E27FC236}">
-                <a16:creationId xmlns:a16="http://schemas.microsoft.com/office/drawing/2014/main" id="{25FC4B96-2C56-0040-8930-C516F79AA941}"/>
-              </a:ext>
-            </a:extLst>
-          </p:cNvPr>
+            <a:endParaRPr lang="en-US" dirty="0"/>
+          </a:p>
+        </p:txBody>
+      </p:sp>
+      <p:sp>
+        <p:nvSpPr>
+          <p:cNvPr id="3" name="Text Placeholder 2"/>
           <p:cNvSpPr>
             <a:spLocks noGrp="1"/>
           </p:cNvSpPr>
@@ -2814,8 +2483,8 @@
         </p:nvSpPr>
         <p:spPr>
           <a:xfrm>
-            <a:off x="838200" y="1825625"/>
-            <a:ext cx="10515600" cy="4351338"/>
+            <a:off x="754380" y="1825625"/>
+            <a:ext cx="9464040" cy="4351338"/>
           </a:xfrm>
           <a:prstGeom prst="rect">
             <a:avLst/>
@@ -2860,18 +2529,13 @@
               <a:rPr lang="en-US"/>
               <a:t>Fifth level</a:t>
             </a:r>
-          </a:p>
-        </p:txBody>
-      </p:sp>
-      <p:sp>
-        <p:nvSpPr>
-          <p:cNvPr id="4" name="Date Placeholder 3">
-            <a:extLst>
-              <a:ext uri="{FF2B5EF4-FFF2-40B4-BE49-F238E27FC236}">
-                <a16:creationId xmlns:a16="http://schemas.microsoft.com/office/drawing/2014/main" id="{DC2A5A77-7C65-464A-895B-8C13011F9F85}"/>
-              </a:ext>
-            </a:extLst>
-          </p:cNvPr>
+            <a:endParaRPr lang="en-US" dirty="0"/>
+          </a:p>
+        </p:txBody>
+      </p:sp>
+      <p:sp>
+        <p:nvSpPr>
+          <p:cNvPr id="4" name="Date Placeholder 3"/>
           <p:cNvSpPr>
             <a:spLocks noGrp="1"/>
           </p:cNvSpPr>
@@ -2881,8 +2545,8 @@
         </p:nvSpPr>
         <p:spPr>
           <a:xfrm>
-            <a:off x="838200" y="6356350"/>
-            <a:ext cx="2743200" cy="365125"/>
+            <a:off x="754380" y="6356351"/>
+            <a:ext cx="2468880" cy="365125"/>
           </a:xfrm>
           <a:prstGeom prst="rect">
             <a:avLst/>
@@ -2892,7 +2556,7 @@
           <a:bodyPr vert="horz" lIns="91440" tIns="45720" rIns="91440" bIns="45720" rtlCol="0" anchor="ctr"/>
           <a:lstStyle>
             <a:lvl1pPr algn="l">
-              <a:defRPr sz="1200">
+              <a:defRPr sz="1080">
                 <a:solidFill>
                   <a:schemeClr val="tx1">
                     <a:tint val="75000"/>
@@ -2904,7 +2568,7 @@
           <a:p>
             <a:fld id="{669F0FDE-3FB8-7041-B759-6391409DDB8C}" type="datetimeFigureOut">
               <a:rPr lang="en-US" smtClean="0"/>
-              <a:t>5/8/18</a:t>
+              <a:t>5/13/18</a:t>
             </a:fld>
             <a:endParaRPr lang="en-US"/>
           </a:p>
@@ -2912,13 +2576,7 @@
       </p:sp>
       <p:sp>
         <p:nvSpPr>
-          <p:cNvPr id="5" name="Footer Placeholder 4">
-            <a:extLst>
-              <a:ext uri="{FF2B5EF4-FFF2-40B4-BE49-F238E27FC236}">
-                <a16:creationId xmlns:a16="http://schemas.microsoft.com/office/drawing/2014/main" id="{9C33FF9E-443F-9943-94B3-0D4D39ACBEB7}"/>
-              </a:ext>
-            </a:extLst>
-          </p:cNvPr>
+          <p:cNvPr id="5" name="Footer Placeholder 4"/>
           <p:cNvSpPr>
             <a:spLocks noGrp="1"/>
           </p:cNvSpPr>
@@ -2928,8 +2586,8 @@
         </p:nvSpPr>
         <p:spPr>
           <a:xfrm>
-            <a:off x="4038600" y="6356350"/>
-            <a:ext cx="4114800" cy="365125"/>
+            <a:off x="3634740" y="6356351"/>
+            <a:ext cx="3703320" cy="365125"/>
           </a:xfrm>
           <a:prstGeom prst="rect">
             <a:avLst/>
@@ -2939,7 +2597,7 @@
           <a:bodyPr vert="horz" lIns="91440" tIns="45720" rIns="91440" bIns="45720" rtlCol="0" anchor="ctr"/>
           <a:lstStyle>
             <a:lvl1pPr algn="ctr">
-              <a:defRPr sz="1200">
+              <a:defRPr sz="1080">
                 <a:solidFill>
                   <a:schemeClr val="tx1">
                     <a:tint val="75000"/>
@@ -2955,13 +2613,7 @@
       </p:sp>
       <p:sp>
         <p:nvSpPr>
-          <p:cNvPr id="6" name="Slide Number Placeholder 5">
-            <a:extLst>
-              <a:ext uri="{FF2B5EF4-FFF2-40B4-BE49-F238E27FC236}">
-                <a16:creationId xmlns:a16="http://schemas.microsoft.com/office/drawing/2014/main" id="{C41AFCAF-6ACE-E544-BDB6-6AA05E7B6497}"/>
-              </a:ext>
-            </a:extLst>
-          </p:cNvPr>
+          <p:cNvPr id="6" name="Slide Number Placeholder 5"/>
           <p:cNvSpPr>
             <a:spLocks noGrp="1"/>
           </p:cNvSpPr>
@@ -2971,8 +2623,8 @@
         </p:nvSpPr>
         <p:spPr>
           <a:xfrm>
-            <a:off x="8610600" y="6356350"/>
-            <a:ext cx="2743200" cy="365125"/>
+            <a:off x="7749540" y="6356351"/>
+            <a:ext cx="2468880" cy="365125"/>
           </a:xfrm>
           <a:prstGeom prst="rect">
             <a:avLst/>
@@ -2982,7 +2634,7 @@
           <a:bodyPr vert="horz" lIns="91440" tIns="45720" rIns="91440" bIns="45720" rtlCol="0" anchor="ctr"/>
           <a:lstStyle>
             <a:lvl1pPr algn="r">
-              <a:defRPr sz="1200">
+              <a:defRPr sz="1080">
                 <a:solidFill>
                   <a:schemeClr val="tx1">
                     <a:tint val="75000"/>
@@ -3003,27 +2655,27 @@
     </p:spTree>
     <p:extLst>
       <p:ext uri="{BB962C8B-B14F-4D97-AF65-F5344CB8AC3E}">
-        <p14:creationId xmlns:p14="http://schemas.microsoft.com/office/powerpoint/2010/main" val="1178108846"/>
+        <p14:creationId xmlns:p14="http://schemas.microsoft.com/office/powerpoint/2010/main" val="3778437484"/>
       </p:ext>
     </p:extLst>
   </p:cSld>
   <p:clrMap bg1="lt1" tx1="dk1" bg2="lt2" tx2="dk2" accent1="accent1" accent2="accent2" accent3="accent3" accent4="accent4" accent5="accent5" accent6="accent6" hlink="hlink" folHlink="folHlink"/>
   <p:sldLayoutIdLst>
-    <p:sldLayoutId id="2147483649" r:id="rId1"/>
-    <p:sldLayoutId id="2147483650" r:id="rId2"/>
-    <p:sldLayoutId id="2147483651" r:id="rId3"/>
-    <p:sldLayoutId id="2147483652" r:id="rId4"/>
-    <p:sldLayoutId id="2147483653" r:id="rId5"/>
-    <p:sldLayoutId id="2147483654" r:id="rId6"/>
-    <p:sldLayoutId id="2147483655" r:id="rId7"/>
-    <p:sldLayoutId id="2147483656" r:id="rId8"/>
-    <p:sldLayoutId id="2147483657" r:id="rId9"/>
-    <p:sldLayoutId id="2147483658" r:id="rId10"/>
-    <p:sldLayoutId id="2147483659" r:id="rId11"/>
+    <p:sldLayoutId id="2147483661" r:id="rId1"/>
+    <p:sldLayoutId id="2147483662" r:id="rId2"/>
+    <p:sldLayoutId id="2147483663" r:id="rId3"/>
+    <p:sldLayoutId id="2147483664" r:id="rId4"/>
+    <p:sldLayoutId id="2147483665" r:id="rId5"/>
+    <p:sldLayoutId id="2147483666" r:id="rId6"/>
+    <p:sldLayoutId id="2147483667" r:id="rId7"/>
+    <p:sldLayoutId id="2147483668" r:id="rId8"/>
+    <p:sldLayoutId id="2147483669" r:id="rId9"/>
+    <p:sldLayoutId id="2147483670" r:id="rId10"/>
+    <p:sldLayoutId id="2147483671" r:id="rId11"/>
   </p:sldLayoutIdLst>
   <p:txStyles>
     <p:titleStyle>
-      <a:lvl1pPr algn="l" defTabSz="914400" rtl="0" eaLnBrk="1" latinLnBrk="0" hangingPunct="1">
+      <a:lvl1pPr algn="l" defTabSz="822960" rtl="0" eaLnBrk="1" latinLnBrk="0" hangingPunct="1">
         <a:lnSpc>
           <a:spcPct val="90000"/>
         </a:lnSpc>
@@ -3031,7 +2683,7 @@
           <a:spcPct val="0"/>
         </a:spcBef>
         <a:buNone/>
-        <a:defRPr sz="4400" kern="1200">
+        <a:defRPr sz="3960" kern="1200">
           <a:solidFill>
             <a:schemeClr val="tx1"/>
           </a:solidFill>
@@ -3042,16 +2694,16 @@
       </a:lvl1pPr>
     </p:titleStyle>
     <p:bodyStyle>
-      <a:lvl1pPr marL="228600" indent="-228600" algn="l" defTabSz="914400" rtl="0" eaLnBrk="1" latinLnBrk="0" hangingPunct="1">
+      <a:lvl1pPr marL="205740" indent="-205740" algn="l" defTabSz="822960" rtl="0" eaLnBrk="1" latinLnBrk="0" hangingPunct="1">
         <a:lnSpc>
           <a:spcPct val="90000"/>
         </a:lnSpc>
         <a:spcBef>
-          <a:spcPts val="1000"/>
+          <a:spcPts val="900"/>
         </a:spcBef>
         <a:buFont typeface="Arial" panose="020B0604020202020204" pitchFamily="34" charset="0"/>
         <a:buChar char="•"/>
-        <a:defRPr sz="2800" kern="1200">
+        <a:defRPr sz="2520" kern="1200">
           <a:solidFill>
             <a:schemeClr val="tx1"/>
           </a:solidFill>
@@ -3060,16 +2712,16 @@
           <a:cs typeface="+mn-cs"/>
         </a:defRPr>
       </a:lvl1pPr>
-      <a:lvl2pPr marL="685800" indent="-228600" algn="l" defTabSz="914400" rtl="0" eaLnBrk="1" latinLnBrk="0" hangingPunct="1">
+      <a:lvl2pPr marL="617220" indent="-205740" algn="l" defTabSz="822960" rtl="0" eaLnBrk="1" latinLnBrk="0" hangingPunct="1">
         <a:lnSpc>
           <a:spcPct val="90000"/>
         </a:lnSpc>
         <a:spcBef>
-          <a:spcPts val="500"/>
+          <a:spcPts val="450"/>
         </a:spcBef>
         <a:buFont typeface="Arial" panose="020B0604020202020204" pitchFamily="34" charset="0"/>
         <a:buChar char="•"/>
-        <a:defRPr sz="2400" kern="1200">
+        <a:defRPr sz="2160" kern="1200">
           <a:solidFill>
             <a:schemeClr val="tx1"/>
           </a:solidFill>
@@ -3078,30 +2730,12 @@
           <a:cs typeface="+mn-cs"/>
         </a:defRPr>
       </a:lvl2pPr>
-      <a:lvl3pPr marL="1143000" indent="-228600" algn="l" defTabSz="914400" rtl="0" eaLnBrk="1" latinLnBrk="0" hangingPunct="1">
+      <a:lvl3pPr marL="1028700" indent="-205740" algn="l" defTabSz="822960" rtl="0" eaLnBrk="1" latinLnBrk="0" hangingPunct="1">
         <a:lnSpc>
           <a:spcPct val="90000"/>
         </a:lnSpc>
         <a:spcBef>
-          <a:spcPts val="500"/>
-        </a:spcBef>
-        <a:buFont typeface="Arial" panose="020B0604020202020204" pitchFamily="34" charset="0"/>
-        <a:buChar char="•"/>
-        <a:defRPr sz="2000" kern="1200">
-          <a:solidFill>
-            <a:schemeClr val="tx1"/>
-          </a:solidFill>
-          <a:latin typeface="+mn-lt"/>
-          <a:ea typeface="+mn-ea"/>
-          <a:cs typeface="+mn-cs"/>
-        </a:defRPr>
-      </a:lvl3pPr>
-      <a:lvl4pPr marL="1600200" indent="-228600" algn="l" defTabSz="914400" rtl="0" eaLnBrk="1" latinLnBrk="0" hangingPunct="1">
-        <a:lnSpc>
-          <a:spcPct val="90000"/>
-        </a:lnSpc>
-        <a:spcBef>
-          <a:spcPts val="500"/>
+          <a:spcPts val="450"/>
         </a:spcBef>
         <a:buFont typeface="Arial" panose="020B0604020202020204" pitchFamily="34" charset="0"/>
         <a:buChar char="•"/>
@@ -3113,17 +2747,35 @@
           <a:ea typeface="+mn-ea"/>
           <a:cs typeface="+mn-cs"/>
         </a:defRPr>
-      </a:lvl4pPr>
-      <a:lvl5pPr marL="2057400" indent="-228600" algn="l" defTabSz="914400" rtl="0" eaLnBrk="1" latinLnBrk="0" hangingPunct="1">
+      </a:lvl3pPr>
+      <a:lvl4pPr marL="1440180" indent="-205740" algn="l" defTabSz="822960" rtl="0" eaLnBrk="1" latinLnBrk="0" hangingPunct="1">
         <a:lnSpc>
           <a:spcPct val="90000"/>
         </a:lnSpc>
         <a:spcBef>
-          <a:spcPts val="500"/>
+          <a:spcPts val="450"/>
         </a:spcBef>
         <a:buFont typeface="Arial" panose="020B0604020202020204" pitchFamily="34" charset="0"/>
         <a:buChar char="•"/>
-        <a:defRPr sz="1800" kern="1200">
+        <a:defRPr sz="1620" kern="1200">
+          <a:solidFill>
+            <a:schemeClr val="tx1"/>
+          </a:solidFill>
+          <a:latin typeface="+mn-lt"/>
+          <a:ea typeface="+mn-ea"/>
+          <a:cs typeface="+mn-cs"/>
+        </a:defRPr>
+      </a:lvl4pPr>
+      <a:lvl5pPr marL="1851660" indent="-205740" algn="l" defTabSz="822960" rtl="0" eaLnBrk="1" latinLnBrk="0" hangingPunct="1">
+        <a:lnSpc>
+          <a:spcPct val="90000"/>
+        </a:lnSpc>
+        <a:spcBef>
+          <a:spcPts val="450"/>
+        </a:spcBef>
+        <a:buFont typeface="Arial" panose="020B0604020202020204" pitchFamily="34" charset="0"/>
+        <a:buChar char="•"/>
+        <a:defRPr sz="1620" kern="1200">
           <a:solidFill>
             <a:schemeClr val="tx1"/>
           </a:solidFill>
@@ -3132,16 +2784,16 @@
           <a:cs typeface="+mn-cs"/>
         </a:defRPr>
       </a:lvl5pPr>
-      <a:lvl6pPr marL="2514600" indent="-228600" algn="l" defTabSz="914400" rtl="0" eaLnBrk="1" latinLnBrk="0" hangingPunct="1">
+      <a:lvl6pPr marL="2263140" indent="-205740" algn="l" defTabSz="822960" rtl="0" eaLnBrk="1" latinLnBrk="0" hangingPunct="1">
         <a:lnSpc>
           <a:spcPct val="90000"/>
         </a:lnSpc>
         <a:spcBef>
-          <a:spcPts val="500"/>
+          <a:spcPts val="450"/>
         </a:spcBef>
         <a:buFont typeface="Arial" panose="020B0604020202020204" pitchFamily="34" charset="0"/>
         <a:buChar char="•"/>
-        <a:defRPr sz="1800" kern="1200">
+        <a:defRPr sz="1620" kern="1200">
           <a:solidFill>
             <a:schemeClr val="tx1"/>
           </a:solidFill>
@@ -3150,16 +2802,16 @@
           <a:cs typeface="+mn-cs"/>
         </a:defRPr>
       </a:lvl6pPr>
-      <a:lvl7pPr marL="2971800" indent="-228600" algn="l" defTabSz="914400" rtl="0" eaLnBrk="1" latinLnBrk="0" hangingPunct="1">
+      <a:lvl7pPr marL="2674620" indent="-205740" algn="l" defTabSz="822960" rtl="0" eaLnBrk="1" latinLnBrk="0" hangingPunct="1">
         <a:lnSpc>
           <a:spcPct val="90000"/>
         </a:lnSpc>
         <a:spcBef>
-          <a:spcPts val="500"/>
+          <a:spcPts val="450"/>
         </a:spcBef>
         <a:buFont typeface="Arial" panose="020B0604020202020204" pitchFamily="34" charset="0"/>
         <a:buChar char="•"/>
-        <a:defRPr sz="1800" kern="1200">
+        <a:defRPr sz="1620" kern="1200">
           <a:solidFill>
             <a:schemeClr val="tx1"/>
           </a:solidFill>
@@ -3168,16 +2820,16 @@
           <a:cs typeface="+mn-cs"/>
         </a:defRPr>
       </a:lvl7pPr>
-      <a:lvl8pPr marL="3429000" indent="-228600" algn="l" defTabSz="914400" rtl="0" eaLnBrk="1" latinLnBrk="0" hangingPunct="1">
+      <a:lvl8pPr marL="3086100" indent="-205740" algn="l" defTabSz="822960" rtl="0" eaLnBrk="1" latinLnBrk="0" hangingPunct="1">
         <a:lnSpc>
           <a:spcPct val="90000"/>
         </a:lnSpc>
         <a:spcBef>
-          <a:spcPts val="500"/>
+          <a:spcPts val="450"/>
         </a:spcBef>
         <a:buFont typeface="Arial" panose="020B0604020202020204" pitchFamily="34" charset="0"/>
         <a:buChar char="•"/>
-        <a:defRPr sz="1800" kern="1200">
+        <a:defRPr sz="1620" kern="1200">
           <a:solidFill>
             <a:schemeClr val="tx1"/>
           </a:solidFill>
@@ -3186,16 +2838,16 @@
           <a:cs typeface="+mn-cs"/>
         </a:defRPr>
       </a:lvl8pPr>
-      <a:lvl9pPr marL="3886200" indent="-228600" algn="l" defTabSz="914400" rtl="0" eaLnBrk="1" latinLnBrk="0" hangingPunct="1">
+      <a:lvl9pPr marL="3497580" indent="-205740" algn="l" defTabSz="822960" rtl="0" eaLnBrk="1" latinLnBrk="0" hangingPunct="1">
         <a:lnSpc>
           <a:spcPct val="90000"/>
         </a:lnSpc>
         <a:spcBef>
-          <a:spcPts val="500"/>
+          <a:spcPts val="450"/>
         </a:spcBef>
         <a:buFont typeface="Arial" panose="020B0604020202020204" pitchFamily="34" charset="0"/>
         <a:buChar char="•"/>
-        <a:defRPr sz="1800" kern="1200">
+        <a:defRPr sz="1620" kern="1200">
           <a:solidFill>
             <a:schemeClr val="tx1"/>
           </a:solidFill>
@@ -3209,8 +2861,8 @@
       <a:defPPr>
         <a:defRPr lang="en-US"/>
       </a:defPPr>
-      <a:lvl1pPr marL="0" algn="l" defTabSz="914400" rtl="0" eaLnBrk="1" latinLnBrk="0" hangingPunct="1">
-        <a:defRPr sz="1800" kern="1200">
+      <a:lvl1pPr marL="0" algn="l" defTabSz="822960" rtl="0" eaLnBrk="1" latinLnBrk="0" hangingPunct="1">
+        <a:defRPr sz="1620" kern="1200">
           <a:solidFill>
             <a:schemeClr val="tx1"/>
           </a:solidFill>
@@ -3219,8 +2871,8 @@
           <a:cs typeface="+mn-cs"/>
         </a:defRPr>
       </a:lvl1pPr>
-      <a:lvl2pPr marL="457200" algn="l" defTabSz="914400" rtl="0" eaLnBrk="1" latinLnBrk="0" hangingPunct="1">
-        <a:defRPr sz="1800" kern="1200">
+      <a:lvl2pPr marL="411480" algn="l" defTabSz="822960" rtl="0" eaLnBrk="1" latinLnBrk="0" hangingPunct="1">
+        <a:defRPr sz="1620" kern="1200">
           <a:solidFill>
             <a:schemeClr val="tx1"/>
           </a:solidFill>
@@ -3229,8 +2881,8 @@
           <a:cs typeface="+mn-cs"/>
         </a:defRPr>
       </a:lvl2pPr>
-      <a:lvl3pPr marL="914400" algn="l" defTabSz="914400" rtl="0" eaLnBrk="1" latinLnBrk="0" hangingPunct="1">
-        <a:defRPr sz="1800" kern="1200">
+      <a:lvl3pPr marL="822960" algn="l" defTabSz="822960" rtl="0" eaLnBrk="1" latinLnBrk="0" hangingPunct="1">
+        <a:defRPr sz="1620" kern="1200">
           <a:solidFill>
             <a:schemeClr val="tx1"/>
           </a:solidFill>
@@ -3239,8 +2891,8 @@
           <a:cs typeface="+mn-cs"/>
         </a:defRPr>
       </a:lvl3pPr>
-      <a:lvl4pPr marL="1371600" algn="l" defTabSz="914400" rtl="0" eaLnBrk="1" latinLnBrk="0" hangingPunct="1">
-        <a:defRPr sz="1800" kern="1200">
+      <a:lvl4pPr marL="1234440" algn="l" defTabSz="822960" rtl="0" eaLnBrk="1" latinLnBrk="0" hangingPunct="1">
+        <a:defRPr sz="1620" kern="1200">
           <a:solidFill>
             <a:schemeClr val="tx1"/>
           </a:solidFill>
@@ -3249,8 +2901,8 @@
           <a:cs typeface="+mn-cs"/>
         </a:defRPr>
       </a:lvl4pPr>
-      <a:lvl5pPr marL="1828800" algn="l" defTabSz="914400" rtl="0" eaLnBrk="1" latinLnBrk="0" hangingPunct="1">
-        <a:defRPr sz="1800" kern="1200">
+      <a:lvl5pPr marL="1645920" algn="l" defTabSz="822960" rtl="0" eaLnBrk="1" latinLnBrk="0" hangingPunct="1">
+        <a:defRPr sz="1620" kern="1200">
           <a:solidFill>
             <a:schemeClr val="tx1"/>
           </a:solidFill>
@@ -3259,8 +2911,8 @@
           <a:cs typeface="+mn-cs"/>
         </a:defRPr>
       </a:lvl5pPr>
-      <a:lvl6pPr marL="2286000" algn="l" defTabSz="914400" rtl="0" eaLnBrk="1" latinLnBrk="0" hangingPunct="1">
-        <a:defRPr sz="1800" kern="1200">
+      <a:lvl6pPr marL="2057400" algn="l" defTabSz="822960" rtl="0" eaLnBrk="1" latinLnBrk="0" hangingPunct="1">
+        <a:defRPr sz="1620" kern="1200">
           <a:solidFill>
             <a:schemeClr val="tx1"/>
           </a:solidFill>
@@ -3269,8 +2921,8 @@
           <a:cs typeface="+mn-cs"/>
         </a:defRPr>
       </a:lvl6pPr>
-      <a:lvl7pPr marL="2743200" algn="l" defTabSz="914400" rtl="0" eaLnBrk="1" latinLnBrk="0" hangingPunct="1">
-        <a:defRPr sz="1800" kern="1200">
+      <a:lvl7pPr marL="2468880" algn="l" defTabSz="822960" rtl="0" eaLnBrk="1" latinLnBrk="0" hangingPunct="1">
+        <a:defRPr sz="1620" kern="1200">
           <a:solidFill>
             <a:schemeClr val="tx1"/>
           </a:solidFill>
@@ -3279,8 +2931,8 @@
           <a:cs typeface="+mn-cs"/>
         </a:defRPr>
       </a:lvl7pPr>
-      <a:lvl8pPr marL="3200400" algn="l" defTabSz="914400" rtl="0" eaLnBrk="1" latinLnBrk="0" hangingPunct="1">
-        <a:defRPr sz="1800" kern="1200">
+      <a:lvl8pPr marL="2880360" algn="l" defTabSz="822960" rtl="0" eaLnBrk="1" latinLnBrk="0" hangingPunct="1">
+        <a:defRPr sz="1620" kern="1200">
           <a:solidFill>
             <a:schemeClr val="tx1"/>
           </a:solidFill>
@@ -3289,8 +2941,8 @@
           <a:cs typeface="+mn-cs"/>
         </a:defRPr>
       </a:lvl8pPr>
-      <a:lvl9pPr marL="3657600" algn="l" defTabSz="914400" rtl="0" eaLnBrk="1" latinLnBrk="0" hangingPunct="1">
-        <a:defRPr sz="1800" kern="1200">
+      <a:lvl9pPr marL="3291840" algn="l" defTabSz="822960" rtl="0" eaLnBrk="1" latinLnBrk="0" hangingPunct="1">
+        <a:defRPr sz="1620" kern="1200">
           <a:solidFill>
             <a:schemeClr val="tx1"/>
           </a:solidFill>
@@ -3323,10 +2975,10 @@
       </p:grpSpPr>
       <p:pic>
         <p:nvPicPr>
-          <p:cNvPr id="5" name="Picture 4">
+          <p:cNvPr id="11" name="Picture 10">
             <a:extLst>
               <a:ext uri="{FF2B5EF4-FFF2-40B4-BE49-F238E27FC236}">
-                <a16:creationId xmlns:a16="http://schemas.microsoft.com/office/drawing/2014/main" id="{03A05AA7-1DE9-AC48-A9EC-A42002195100}"/>
+                <a16:creationId xmlns:a16="http://schemas.microsoft.com/office/drawing/2014/main" id="{C26FBBA2-AF03-2046-91B7-67722D6D0C6A}"/>
               </a:ext>
             </a:extLst>
           </p:cNvPr>
@@ -3343,8 +2995,8 @@
         </p:blipFill>
         <p:spPr>
           <a:xfrm>
-            <a:off x="661479" y="21833"/>
-            <a:ext cx="10554511" cy="6919068"/>
+            <a:off x="262631" y="-10062"/>
+            <a:ext cx="10603164" cy="6950963"/>
           </a:xfrm>
           <a:prstGeom prst="rect">
             <a:avLst/>
@@ -3353,10 +3005,10 @@
       </p:pic>
       <p:pic>
         <p:nvPicPr>
-          <p:cNvPr id="6" name="Picture 5">
+          <p:cNvPr id="12" name="Picture 11">
             <a:extLst>
               <a:ext uri="{FF2B5EF4-FFF2-40B4-BE49-F238E27FC236}">
-                <a16:creationId xmlns:a16="http://schemas.microsoft.com/office/drawing/2014/main" id="{CB255419-6394-964D-96D1-1B9D64840DAA}"/>
+                <a16:creationId xmlns:a16="http://schemas.microsoft.com/office/drawing/2014/main" id="{97262BDB-54ED-B84E-9445-288B33D70E4C}"/>
               </a:ext>
             </a:extLst>
           </p:cNvPr>
@@ -3371,50 +3023,21 @@
           <a:stretch/>
         </p:blipFill>
         <p:spPr>
-          <a:xfrm>
-            <a:off x="7229289" y="268659"/>
-            <a:ext cx="2706130" cy="2813097"/>
+          <a:xfrm rot="5400000">
+            <a:off x="6879327" y="255939"/>
+            <a:ext cx="2718604" cy="2826064"/>
           </a:xfrm>
           <a:prstGeom prst="rect">
             <a:avLst/>
           </a:prstGeom>
         </p:spPr>
       </p:pic>
-      <p:pic>
-        <p:nvPicPr>
-          <p:cNvPr id="7" name="Picture 6">
+      <p:sp>
+        <p:nvSpPr>
+          <p:cNvPr id="13" name="Right Arrow 12">
             <a:extLst>
               <a:ext uri="{FF2B5EF4-FFF2-40B4-BE49-F238E27FC236}">
-                <a16:creationId xmlns:a16="http://schemas.microsoft.com/office/drawing/2014/main" id="{347CE82E-CA68-1140-B7E9-0429BB0222B3}"/>
-              </a:ext>
-            </a:extLst>
-          </p:cNvPr>
-          <p:cNvPicPr>
-            <a:picLocks noChangeAspect="1"/>
-          </p:cNvPicPr>
-          <p:nvPr/>
-        </p:nvPicPr>
-        <p:blipFill rotWithShape="1">
-          <a:blip r:embed="rId4"/>
-          <a:srcRect l="2044" t="48759" r="68268" b="10514"/>
-          <a:stretch/>
-        </p:blipFill>
-        <p:spPr>
-          <a:xfrm>
-            <a:off x="2824436" y="410214"/>
-            <a:ext cx="2713693" cy="2671542"/>
-          </a:xfrm>
-          <a:prstGeom prst="rect">
-            <a:avLst/>
-          </a:prstGeom>
-        </p:spPr>
-      </p:pic>
-      <p:sp>
-        <p:nvSpPr>
-          <p:cNvPr id="8" name="Right Arrow 7">
-            <a:extLst>
-              <a:ext uri="{FF2B5EF4-FFF2-40B4-BE49-F238E27FC236}">
-                <a16:creationId xmlns:a16="http://schemas.microsoft.com/office/drawing/2014/main" id="{F181F016-10C8-1E41-B98D-6F9A8ECB47F8}"/>
+                <a16:creationId xmlns:a16="http://schemas.microsoft.com/office/drawing/2014/main" id="{2B903809-2C8E-B94A-920C-886934EE902F}"/>
               </a:ext>
             </a:extLst>
           </p:cNvPr>
@@ -3423,8 +3046,8 @@
         </p:nvSpPr>
         <p:spPr>
           <a:xfrm>
-            <a:off x="5682629" y="1325855"/>
-            <a:ext cx="1392532" cy="724836"/>
+            <a:off x="5332420" y="1323568"/>
+            <a:ext cx="1398951" cy="727123"/>
           </a:xfrm>
           <a:prstGeom prst="rightArrow">
             <a:avLst/>
@@ -3461,316 +3084,368 @@
           </a:p>
         </p:txBody>
       </p:sp>
-      <p:sp>
-        <p:nvSpPr>
-          <p:cNvPr id="9" name="Oval 8">
+      <p:grpSp>
+        <p:nvGrpSpPr>
+          <p:cNvPr id="14" name="Group 13">
             <a:extLst>
               <a:ext uri="{FF2B5EF4-FFF2-40B4-BE49-F238E27FC236}">
-                <a16:creationId xmlns:a16="http://schemas.microsoft.com/office/drawing/2014/main" id="{6B8DFD8F-C4AB-FF46-B168-3ADC2D19978A}"/>
+                <a16:creationId xmlns:a16="http://schemas.microsoft.com/office/drawing/2014/main" id="{9D7FDFD4-88F4-BE4A-B591-91A4D5A7C328}"/>
               </a:ext>
             </a:extLst>
           </p:cNvPr>
-          <p:cNvSpPr/>
+          <p:cNvGrpSpPr/>
           <p:nvPr/>
-        </p:nvSpPr>
-        <p:spPr>
-          <a:xfrm>
-            <a:off x="4331221" y="397048"/>
-            <a:ext cx="250506" cy="244844"/>
+        </p:nvGrpSpPr>
+        <p:grpSpPr>
+          <a:xfrm rot="5400000">
+            <a:off x="2484766" y="395211"/>
+            <a:ext cx="2722254" cy="2697084"/>
+            <a:chOff x="2824436" y="397048"/>
+            <a:chExt cx="2713693" cy="2684708"/>
           </a:xfrm>
-          <a:prstGeom prst="ellipse">
-            <a:avLst/>
-          </a:prstGeom>
-          <a:noFill/>
-          <a:ln>
-            <a:solidFill>
-              <a:srgbClr val="00B050"/>
-            </a:solidFill>
-          </a:ln>
-        </p:spPr>
-        <p:style>
-          <a:lnRef idx="2">
-            <a:schemeClr val="accent1">
-              <a:shade val="50000"/>
-            </a:schemeClr>
-          </a:lnRef>
-          <a:fillRef idx="1">
-            <a:schemeClr val="accent1"/>
-          </a:fillRef>
-          <a:effectRef idx="0">
-            <a:schemeClr val="accent1"/>
-          </a:effectRef>
-          <a:fontRef idx="minor">
-            <a:schemeClr val="lt1"/>
-          </a:fontRef>
-        </p:style>
-        <p:txBody>
-          <a:bodyPr rtlCol="0" anchor="ctr"/>
-          <a:lstStyle/>
-          <a:p>
-            <a:pPr algn="ctr"/>
-            <a:endParaRPr lang="en-US"/>
-          </a:p>
-        </p:txBody>
-      </p:sp>
-      <p:sp>
-        <p:nvSpPr>
-          <p:cNvPr id="17" name="Oval 16">
-            <a:extLst>
-              <a:ext uri="{FF2B5EF4-FFF2-40B4-BE49-F238E27FC236}">
-                <a16:creationId xmlns:a16="http://schemas.microsoft.com/office/drawing/2014/main" id="{75CCE645-CADB-974F-BBC1-E26D18C75D63}"/>
-              </a:ext>
-            </a:extLst>
-          </p:cNvPr>
-          <p:cNvSpPr/>
-          <p:nvPr/>
-        </p:nvSpPr>
-        <p:spPr>
-          <a:xfrm>
-            <a:off x="3959777" y="2797634"/>
-            <a:ext cx="250506" cy="244844"/>
-          </a:xfrm>
-          <a:prstGeom prst="ellipse">
-            <a:avLst/>
-          </a:prstGeom>
-          <a:noFill/>
-          <a:ln>
-            <a:solidFill>
-              <a:srgbClr val="00B050"/>
-            </a:solidFill>
-          </a:ln>
-        </p:spPr>
-        <p:style>
-          <a:lnRef idx="2">
-            <a:schemeClr val="accent1">
-              <a:shade val="50000"/>
-            </a:schemeClr>
-          </a:lnRef>
-          <a:fillRef idx="1">
-            <a:schemeClr val="accent1"/>
-          </a:fillRef>
-          <a:effectRef idx="0">
-            <a:schemeClr val="accent1"/>
-          </a:effectRef>
-          <a:fontRef idx="minor">
-            <a:schemeClr val="lt1"/>
-          </a:fontRef>
-        </p:style>
-        <p:txBody>
-          <a:bodyPr rtlCol="0" anchor="ctr"/>
-          <a:lstStyle/>
-          <a:p>
-            <a:pPr algn="ctr"/>
-            <a:endParaRPr lang="en-US"/>
-          </a:p>
-        </p:txBody>
-      </p:sp>
-      <mc:AlternateContent xmlns:mc="http://schemas.openxmlformats.org/markup-compatibility/2006">
-        <mc:Choice xmlns:a14="http://schemas.microsoft.com/office/drawing/2010/main" Requires="a14">
-          <p:sp>
-            <p:nvSpPr>
-              <p:cNvPr id="18" name="TextBox 17">
-                <a:extLst>
-                  <a:ext uri="{FF2B5EF4-FFF2-40B4-BE49-F238E27FC236}">
-                    <a16:creationId xmlns:a16="http://schemas.microsoft.com/office/drawing/2014/main" id="{1195C89C-018E-CC43-B006-5004747CFCC4}"/>
-                  </a:ext>
-                </a:extLst>
-              </p:cNvPr>
-              <p:cNvSpPr txBox="1"/>
-              <p:nvPr/>
-            </p:nvSpPr>
-            <p:spPr>
-              <a:xfrm>
-                <a:off x="4421235" y="205799"/>
-                <a:ext cx="1006072" cy="369332"/>
-              </a:xfrm>
-              <a:prstGeom prst="rect">
-                <a:avLst/>
-              </a:prstGeom>
-              <a:noFill/>
-            </p:spPr>
-            <p:txBody>
-              <a:bodyPr wrap="square" rtlCol="0">
-                <a:spAutoFit/>
-              </a:bodyPr>
-              <a:lstStyle/>
-              <a:p>
-                <a14:m>
-                  <m:oMathPara xmlns:m="http://schemas.openxmlformats.org/officeDocument/2006/math">
-                    <m:oMathParaPr>
-                      <m:jc m:val="centerGroup"/>
-                    </m:oMathParaPr>
-                    <m:oMath xmlns:m="http://schemas.openxmlformats.org/officeDocument/2006/math">
-                      <m:r>
-                        <a:rPr lang="en-US" i="1" smtClean="0">
-                          <a:latin typeface="Cambria Math" panose="02040503050406030204" pitchFamily="18" charset="0"/>
-                          <a:ea typeface="Cambria Math" panose="02040503050406030204" pitchFamily="18" charset="0"/>
-                        </a:rPr>
-                        <m:t>𝛿</m:t>
-                      </m:r>
-                      <m:r>
-                        <a:rPr lang="en-US" b="0" i="1" smtClean="0">
-                          <a:latin typeface="Cambria Math" panose="02040503050406030204" pitchFamily="18" charset="0"/>
-                          <a:ea typeface="Cambria Math" panose="02040503050406030204" pitchFamily="18" charset="0"/>
-                        </a:rPr>
-                        <m:t>=0.1</m:t>
-                      </m:r>
-                    </m:oMath>
-                  </m:oMathPara>
-                </a14:m>
-                <a:endParaRPr lang="en-US" dirty="0"/>
-              </a:p>
-            </p:txBody>
-          </p:sp>
-        </mc:Choice>
-        <mc:Fallback>
-          <p:sp>
-            <p:nvSpPr>
-              <p:cNvPr id="18" name="TextBox 17">
-                <a:extLst>
-                  <a:ext uri="{FF2B5EF4-FFF2-40B4-BE49-F238E27FC236}">
-                    <a16:creationId xmlns:a16="http://schemas.microsoft.com/office/drawing/2014/main" id="{1195C89C-018E-CC43-B006-5004747CFCC4}"/>
-                  </a:ext>
-                </a:extLst>
-              </p:cNvPr>
-              <p:cNvSpPr txBox="1">
-                <a:spLocks noRot="1" noChangeAspect="1" noMove="1" noResize="1" noEditPoints="1" noAdjustHandles="1" noChangeArrowheads="1" noChangeShapeType="1" noTextEdit="1"/>
-              </p:cNvSpPr>
-              <p:nvPr/>
-            </p:nvSpPr>
-            <p:spPr>
-              <a:xfrm>
-                <a:off x="4421235" y="205799"/>
-                <a:ext cx="1006072" cy="369332"/>
-              </a:xfrm>
-              <a:prstGeom prst="rect">
-                <a:avLst/>
-              </a:prstGeom>
-              <a:blipFill>
-                <a:blip r:embed="rId5"/>
-                <a:stretch>
-                  <a:fillRect/>
-                </a:stretch>
-              </a:blipFill>
-            </p:spPr>
-            <p:txBody>
-              <a:bodyPr/>
-              <a:lstStyle/>
-              <a:p>
-                <a:r>
-                  <a:rPr lang="en-US">
-                    <a:noFill/>
-                  </a:rPr>
-                  <a:t> </a:t>
-                </a:r>
-              </a:p>
-            </p:txBody>
-          </p:sp>
-        </mc:Fallback>
-      </mc:AlternateContent>
-      <mc:AlternateContent xmlns:mc="http://schemas.openxmlformats.org/markup-compatibility/2006">
-        <mc:Choice xmlns:a14="http://schemas.microsoft.com/office/drawing/2010/main" Requires="a14">
-          <p:sp>
-            <p:nvSpPr>
-              <p:cNvPr id="19" name="TextBox 18">
-                <a:extLst>
-                  <a:ext uri="{FF2B5EF4-FFF2-40B4-BE49-F238E27FC236}">
-                    <a16:creationId xmlns:a16="http://schemas.microsoft.com/office/drawing/2014/main" id="{4B11732B-5F41-CD4B-A741-04A4F3704908}"/>
-                  </a:ext>
-                </a:extLst>
-              </p:cNvPr>
-              <p:cNvSpPr txBox="1"/>
-              <p:nvPr/>
-            </p:nvSpPr>
-            <p:spPr>
-              <a:xfrm>
-                <a:off x="3678246" y="2920931"/>
-                <a:ext cx="1006072" cy="369332"/>
-              </a:xfrm>
-              <a:prstGeom prst="rect">
-                <a:avLst/>
-              </a:prstGeom>
-              <a:noFill/>
-            </p:spPr>
-            <p:txBody>
-              <a:bodyPr wrap="square" rtlCol="0">
-                <a:spAutoFit/>
-              </a:bodyPr>
-              <a:lstStyle/>
-              <a:p>
-                <a14:m>
-                  <m:oMathPara xmlns:m="http://schemas.openxmlformats.org/officeDocument/2006/math">
-                    <m:oMathParaPr>
-                      <m:jc m:val="centerGroup"/>
-                    </m:oMathParaPr>
-                    <m:oMath xmlns:m="http://schemas.openxmlformats.org/officeDocument/2006/math">
-                      <m:r>
-                        <a:rPr lang="en-US" i="1" smtClean="0">
-                          <a:latin typeface="Cambria Math" panose="02040503050406030204" pitchFamily="18" charset="0"/>
-                          <a:ea typeface="Cambria Math" panose="02040503050406030204" pitchFamily="18" charset="0"/>
-                        </a:rPr>
-                        <m:t>𝛿</m:t>
-                      </m:r>
-                      <m:r>
-                        <a:rPr lang="en-US" b="0" i="1" smtClean="0">
-                          <a:latin typeface="Cambria Math" panose="02040503050406030204" pitchFamily="18" charset="0"/>
-                          <a:ea typeface="Cambria Math" panose="02040503050406030204" pitchFamily="18" charset="0"/>
-                        </a:rPr>
-                        <m:t>=0.1</m:t>
-                      </m:r>
-                    </m:oMath>
-                  </m:oMathPara>
-                </a14:m>
-                <a:endParaRPr lang="en-US" dirty="0"/>
-              </a:p>
-            </p:txBody>
-          </p:sp>
-        </mc:Choice>
-        <mc:Fallback>
-          <p:sp>
-            <p:nvSpPr>
-              <p:cNvPr id="19" name="TextBox 18">
-                <a:extLst>
-                  <a:ext uri="{FF2B5EF4-FFF2-40B4-BE49-F238E27FC236}">
-                    <a16:creationId xmlns:a16="http://schemas.microsoft.com/office/drawing/2014/main" id="{4B11732B-5F41-CD4B-A741-04A4F3704908}"/>
-                  </a:ext>
-                </a:extLst>
-              </p:cNvPr>
-              <p:cNvSpPr txBox="1">
-                <a:spLocks noRot="1" noChangeAspect="1" noMove="1" noResize="1" noEditPoints="1" noAdjustHandles="1" noChangeArrowheads="1" noChangeShapeType="1" noTextEdit="1"/>
-              </p:cNvSpPr>
-              <p:nvPr/>
-            </p:nvSpPr>
-            <p:spPr>
-              <a:xfrm>
-                <a:off x="3678246" y="2920931"/>
-                <a:ext cx="1006072" cy="369332"/>
-              </a:xfrm>
-              <a:prstGeom prst="rect">
-                <a:avLst/>
-              </a:prstGeom>
-              <a:blipFill>
-                <a:blip r:embed="rId6"/>
-                <a:stretch>
-                  <a:fillRect/>
-                </a:stretch>
-              </a:blipFill>
-            </p:spPr>
-            <p:txBody>
-              <a:bodyPr/>
-              <a:lstStyle/>
-              <a:p>
-                <a:r>
-                  <a:rPr lang="en-US">
-                    <a:noFill/>
-                  </a:rPr>
-                  <a:t> </a:t>
-                </a:r>
-              </a:p>
-            </p:txBody>
-          </p:sp>
-        </mc:Fallback>
-      </mc:AlternateContent>
+        </p:grpSpPr>
+        <p:pic>
+          <p:nvPicPr>
+            <p:cNvPr id="15" name="Picture 14">
+              <a:extLst>
+                <a:ext uri="{FF2B5EF4-FFF2-40B4-BE49-F238E27FC236}">
+                  <a16:creationId xmlns:a16="http://schemas.microsoft.com/office/drawing/2014/main" id="{4DF9FB4D-EB22-DC49-984C-60AC6331609B}"/>
+                </a:ext>
+              </a:extLst>
+            </p:cNvPr>
+            <p:cNvPicPr>
+              <a:picLocks noChangeAspect="1"/>
+            </p:cNvPicPr>
+            <p:nvPr/>
+          </p:nvPicPr>
+          <p:blipFill rotWithShape="1">
+            <a:blip r:embed="rId4"/>
+            <a:srcRect l="2044" t="48759" r="68268" b="10514"/>
+            <a:stretch/>
+          </p:blipFill>
+          <p:spPr>
+            <a:xfrm>
+              <a:off x="2824436" y="410214"/>
+              <a:ext cx="2713693" cy="2671542"/>
+            </a:xfrm>
+            <a:prstGeom prst="rect">
+              <a:avLst/>
+            </a:prstGeom>
+          </p:spPr>
+        </p:pic>
+        <p:sp>
+          <p:nvSpPr>
+            <p:cNvPr id="16" name="Oval 15">
+              <a:extLst>
+                <a:ext uri="{FF2B5EF4-FFF2-40B4-BE49-F238E27FC236}">
+                  <a16:creationId xmlns:a16="http://schemas.microsoft.com/office/drawing/2014/main" id="{330BA8C5-6796-5849-86B7-D798910D8D23}"/>
+                </a:ext>
+              </a:extLst>
+            </p:cNvPr>
+            <p:cNvSpPr/>
+            <p:nvPr/>
+          </p:nvSpPr>
+          <p:spPr>
+            <a:xfrm>
+              <a:off x="4331221" y="397048"/>
+              <a:ext cx="250506" cy="244844"/>
+            </a:xfrm>
+            <a:prstGeom prst="ellipse">
+              <a:avLst/>
+            </a:prstGeom>
+            <a:noFill/>
+            <a:ln>
+              <a:solidFill>
+                <a:srgbClr val="00B050"/>
+              </a:solidFill>
+            </a:ln>
+          </p:spPr>
+          <p:style>
+            <a:lnRef idx="2">
+              <a:schemeClr val="accent1">
+                <a:shade val="50000"/>
+              </a:schemeClr>
+            </a:lnRef>
+            <a:fillRef idx="1">
+              <a:schemeClr val="accent1"/>
+            </a:fillRef>
+            <a:effectRef idx="0">
+              <a:schemeClr val="accent1"/>
+            </a:effectRef>
+            <a:fontRef idx="minor">
+              <a:schemeClr val="lt1"/>
+            </a:fontRef>
+          </p:style>
+          <p:txBody>
+            <a:bodyPr rtlCol="0" anchor="ctr"/>
+            <a:lstStyle/>
+            <a:p>
+              <a:pPr algn="ctr"/>
+              <a:endParaRPr lang="en-US"/>
+            </a:p>
+          </p:txBody>
+        </p:sp>
+        <p:sp>
+          <p:nvSpPr>
+            <p:cNvPr id="20" name="Oval 19">
+              <a:extLst>
+                <a:ext uri="{FF2B5EF4-FFF2-40B4-BE49-F238E27FC236}">
+                  <a16:creationId xmlns:a16="http://schemas.microsoft.com/office/drawing/2014/main" id="{DFED347F-CEEB-6A40-BD2B-6F2F0F65D117}"/>
+                </a:ext>
+              </a:extLst>
+            </p:cNvPr>
+            <p:cNvSpPr/>
+            <p:nvPr/>
+          </p:nvSpPr>
+          <p:spPr>
+            <a:xfrm>
+              <a:off x="3959777" y="2797634"/>
+              <a:ext cx="250506" cy="244844"/>
+            </a:xfrm>
+            <a:prstGeom prst="ellipse">
+              <a:avLst/>
+            </a:prstGeom>
+            <a:noFill/>
+            <a:ln>
+              <a:solidFill>
+                <a:srgbClr val="00B050"/>
+              </a:solidFill>
+            </a:ln>
+          </p:spPr>
+          <p:style>
+            <a:lnRef idx="2">
+              <a:schemeClr val="accent1">
+                <a:shade val="50000"/>
+              </a:schemeClr>
+            </a:lnRef>
+            <a:fillRef idx="1">
+              <a:schemeClr val="accent1"/>
+            </a:fillRef>
+            <a:effectRef idx="0">
+              <a:schemeClr val="accent1"/>
+            </a:effectRef>
+            <a:fontRef idx="minor">
+              <a:schemeClr val="lt1"/>
+            </a:fontRef>
+          </p:style>
+          <p:txBody>
+            <a:bodyPr rtlCol="0" anchor="ctr"/>
+            <a:lstStyle/>
+            <a:p>
+              <a:pPr algn="ctr"/>
+              <a:endParaRPr lang="en-US"/>
+            </a:p>
+          </p:txBody>
+        </p:sp>
+        <mc:AlternateContent xmlns:mc="http://schemas.openxmlformats.org/markup-compatibility/2006">
+          <mc:Choice xmlns:a14="http://schemas.microsoft.com/office/drawing/2010/main" Requires="a14">
+            <p:sp>
+              <p:nvSpPr>
+                <p:cNvPr id="21" name="TextBox 20">
+                  <a:extLst>
+                    <a:ext uri="{FF2B5EF4-FFF2-40B4-BE49-F238E27FC236}">
+                      <a16:creationId xmlns:a16="http://schemas.microsoft.com/office/drawing/2014/main" id="{9AEFA5AA-B571-D24B-A143-44A16D4876B8}"/>
+                    </a:ext>
+                  </a:extLst>
+                </p:cNvPr>
+                <p:cNvSpPr txBox="1"/>
+                <p:nvPr/>
+              </p:nvSpPr>
+              <p:spPr>
+                <a:xfrm rot="16200000">
+                  <a:off x="4138104" y="772246"/>
+                  <a:ext cx="1006072" cy="369332"/>
+                </a:xfrm>
+                <a:prstGeom prst="rect">
+                  <a:avLst/>
+                </a:prstGeom>
+                <a:noFill/>
+              </p:spPr>
+              <p:txBody>
+                <a:bodyPr wrap="square" rtlCol="0">
+                  <a:spAutoFit/>
+                </a:bodyPr>
+                <a:lstStyle/>
+                <a:p>
+                  <a:pPr/>
+                  <a14:m>
+                    <m:oMathPara xmlns:m="http://schemas.openxmlformats.org/officeDocument/2006/math">
+                      <m:oMathParaPr>
+                        <m:jc m:val="centerGroup"/>
+                      </m:oMathParaPr>
+                      <m:oMath xmlns:m="http://schemas.openxmlformats.org/officeDocument/2006/math">
+                        <m:r>
+                          <a:rPr lang="en-US" i="1" smtClean="0">
+                            <a:latin typeface="Cambria Math" panose="02040503050406030204" pitchFamily="18" charset="0"/>
+                            <a:ea typeface="Cambria Math" panose="02040503050406030204" pitchFamily="18" charset="0"/>
+                          </a:rPr>
+                          <m:t>𝛿</m:t>
+                        </m:r>
+                        <m:r>
+                          <a:rPr lang="en-US" b="0" i="1" smtClean="0">
+                            <a:latin typeface="Cambria Math" panose="02040503050406030204" pitchFamily="18" charset="0"/>
+                            <a:ea typeface="Cambria Math" panose="02040503050406030204" pitchFamily="18" charset="0"/>
+                          </a:rPr>
+                          <m:t>=0.1</m:t>
+                        </m:r>
+                      </m:oMath>
+                    </m:oMathPara>
+                  </a14:m>
+                  <a:endParaRPr lang="en-US" dirty="0"/>
+                </a:p>
+              </p:txBody>
+            </p:sp>
+          </mc:Choice>
+          <mc:Fallback>
+            <p:sp>
+              <p:nvSpPr>
+                <p:cNvPr id="21" name="TextBox 20">
+                  <a:extLst>
+                    <a:ext uri="{FF2B5EF4-FFF2-40B4-BE49-F238E27FC236}">
+                      <a16:creationId xmlns:a16="http://schemas.microsoft.com/office/drawing/2014/main" id="{9AEFA5AA-B571-D24B-A143-44A16D4876B8}"/>
+                    </a:ext>
+                  </a:extLst>
+                </p:cNvPr>
+                <p:cNvSpPr txBox="1">
+                  <a:spLocks noRot="1" noChangeAspect="1" noMove="1" noResize="1" noEditPoints="1" noAdjustHandles="1" noChangeArrowheads="1" noChangeShapeType="1" noTextEdit="1"/>
+                </p:cNvSpPr>
+                <p:nvPr/>
+              </p:nvSpPr>
+              <p:spPr>
+                <a:xfrm rot="16200000">
+                  <a:off x="4138104" y="772246"/>
+                  <a:ext cx="1006072" cy="369332"/>
+                </a:xfrm>
+                <a:prstGeom prst="rect">
+                  <a:avLst/>
+                </a:prstGeom>
+                <a:blipFill>
+                  <a:blip r:embed="rId5"/>
+                  <a:stretch>
+                    <a:fillRect/>
+                  </a:stretch>
+                </a:blipFill>
+              </p:spPr>
+              <p:txBody>
+                <a:bodyPr/>
+                <a:lstStyle/>
+                <a:p>
+                  <a:r>
+                    <a:rPr lang="en-US">
+                      <a:noFill/>
+                    </a:rPr>
+                    <a:t> </a:t>
+                  </a:r>
+                </a:p>
+              </p:txBody>
+            </p:sp>
+          </mc:Fallback>
+        </mc:AlternateContent>
+        <mc:AlternateContent xmlns:mc="http://schemas.openxmlformats.org/markup-compatibility/2006">
+          <mc:Choice xmlns:a14="http://schemas.microsoft.com/office/drawing/2010/main" Requires="a14">
+            <p:sp>
+              <p:nvSpPr>
+                <p:cNvPr id="22" name="TextBox 21">
+                  <a:extLst>
+                    <a:ext uri="{FF2B5EF4-FFF2-40B4-BE49-F238E27FC236}">
+                      <a16:creationId xmlns:a16="http://schemas.microsoft.com/office/drawing/2014/main" id="{B7E7B9EE-76C9-9145-B292-94AA8865D53C}"/>
+                    </a:ext>
+                  </a:extLst>
+                </p:cNvPr>
+                <p:cNvSpPr txBox="1"/>
+                <p:nvPr/>
+              </p:nvSpPr>
+              <p:spPr>
+                <a:xfrm rot="16200000">
+                  <a:off x="3377157" y="2302300"/>
+                  <a:ext cx="1006072" cy="369332"/>
+                </a:xfrm>
+                <a:prstGeom prst="rect">
+                  <a:avLst/>
+                </a:prstGeom>
+                <a:noFill/>
+              </p:spPr>
+              <p:txBody>
+                <a:bodyPr wrap="square" rtlCol="0">
+                  <a:spAutoFit/>
+                </a:bodyPr>
+                <a:lstStyle/>
+                <a:p>
+                  <a:pPr/>
+                  <a14:m>
+                    <m:oMathPara xmlns:m="http://schemas.openxmlformats.org/officeDocument/2006/math">
+                      <m:oMathParaPr>
+                        <m:jc m:val="centerGroup"/>
+                      </m:oMathParaPr>
+                      <m:oMath xmlns:m="http://schemas.openxmlformats.org/officeDocument/2006/math">
+                        <m:r>
+                          <a:rPr lang="en-US" i="1" smtClean="0">
+                            <a:latin typeface="Cambria Math" panose="02040503050406030204" pitchFamily="18" charset="0"/>
+                            <a:ea typeface="Cambria Math" panose="02040503050406030204" pitchFamily="18" charset="0"/>
+                          </a:rPr>
+                          <m:t>𝛿</m:t>
+                        </m:r>
+                        <m:r>
+                          <a:rPr lang="en-US" b="0" i="1" smtClean="0">
+                            <a:latin typeface="Cambria Math" panose="02040503050406030204" pitchFamily="18" charset="0"/>
+                            <a:ea typeface="Cambria Math" panose="02040503050406030204" pitchFamily="18" charset="0"/>
+                          </a:rPr>
+                          <m:t>=0.1</m:t>
+                        </m:r>
+                      </m:oMath>
+                    </m:oMathPara>
+                  </a14:m>
+                  <a:endParaRPr lang="en-US" dirty="0"/>
+                </a:p>
+              </p:txBody>
+            </p:sp>
+          </mc:Choice>
+          <mc:Fallback>
+            <p:sp>
+              <p:nvSpPr>
+                <p:cNvPr id="22" name="TextBox 21">
+                  <a:extLst>
+                    <a:ext uri="{FF2B5EF4-FFF2-40B4-BE49-F238E27FC236}">
+                      <a16:creationId xmlns:a16="http://schemas.microsoft.com/office/drawing/2014/main" id="{B7E7B9EE-76C9-9145-B292-94AA8865D53C}"/>
+                    </a:ext>
+                  </a:extLst>
+                </p:cNvPr>
+                <p:cNvSpPr txBox="1">
+                  <a:spLocks noRot="1" noChangeAspect="1" noMove="1" noResize="1" noEditPoints="1" noAdjustHandles="1" noChangeArrowheads="1" noChangeShapeType="1" noTextEdit="1"/>
+                </p:cNvSpPr>
+                <p:nvPr/>
+              </p:nvSpPr>
+              <p:spPr>
+                <a:xfrm rot="16200000">
+                  <a:off x="3377157" y="2302300"/>
+                  <a:ext cx="1006072" cy="369332"/>
+                </a:xfrm>
+                <a:prstGeom prst="rect">
+                  <a:avLst/>
+                </a:prstGeom>
+                <a:blipFill>
+                  <a:blip r:embed="rId6"/>
+                  <a:stretch>
+                    <a:fillRect/>
+                  </a:stretch>
+                </a:blipFill>
+              </p:spPr>
+              <p:txBody>
+                <a:bodyPr/>
+                <a:lstStyle/>
+                <a:p>
+                  <a:r>
+                    <a:rPr lang="en-US">
+                      <a:noFill/>
+                    </a:rPr>
+                    <a:t> </a:t>
+                  </a:r>
+                </a:p>
+              </p:txBody>
+            </p:sp>
+          </mc:Fallback>
+        </mc:AlternateContent>
+      </p:grpSp>
     </p:spTree>
     <p:extLst>
       <p:ext uri="{BB962C8B-B14F-4D97-AF65-F5344CB8AC3E}">
@@ -3787,7 +3462,7 @@
 <file path=ppt/theme/theme1.xml><?xml version="1.0" encoding="utf-8"?>
 <a:theme xmlns:a="http://schemas.openxmlformats.org/drawingml/2006/main" name="Office Theme">
   <a:themeElements>
-    <a:clrScheme name="Office">
+    <a:clrScheme name="Office Theme">
       <a:dk1>
         <a:sysClr val="windowText" lastClr="000000"/>
       </a:dk1>
@@ -3825,7 +3500,7 @@
         <a:srgbClr val="954F72"/>
       </a:folHlink>
     </a:clrScheme>
-    <a:fontScheme name="Office">
+    <a:fontScheme name="Office Theme">
       <a:majorFont>
         <a:latin typeface="Calibri Light" panose="020F0302020204030204"/>
         <a:ea typeface=""/>
@@ -3860,23 +3535,6 @@
         <a:font script="Viet" typeface="Times New Roman"/>
         <a:font script="Uigh" typeface="Microsoft Uighur"/>
         <a:font script="Geor" typeface="Sylfaen"/>
-        <a:font script="Armn" typeface="Arial"/>
-        <a:font script="Bugi" typeface="Leelawadee UI"/>
-        <a:font script="Bopo" typeface="Microsoft JhengHei"/>
-        <a:font script="Java" typeface="Javanese Text"/>
-        <a:font script="Lisu" typeface="Segoe UI"/>
-        <a:font script="Mymr" typeface="Myanmar Text"/>
-        <a:font script="Nkoo" typeface="Ebrima"/>
-        <a:font script="Olck" typeface="Nirmala UI"/>
-        <a:font script="Osma" typeface="Ebrima"/>
-        <a:font script="Phag" typeface="Phagspa"/>
-        <a:font script="Syrn" typeface="Estrangelo Edessa"/>
-        <a:font script="Syrj" typeface="Estrangelo Edessa"/>
-        <a:font script="Syre" typeface="Estrangelo Edessa"/>
-        <a:font script="Sora" typeface="Nirmala UI"/>
-        <a:font script="Tale" typeface="Microsoft Tai Le"/>
-        <a:font script="Talu" typeface="Microsoft New Tai Lue"/>
-        <a:font script="Tfng" typeface="Ebrima"/>
       </a:majorFont>
       <a:minorFont>
         <a:latin typeface="Calibri" panose="020F0502020204030204"/>
@@ -3912,26 +3570,9 @@
         <a:font script="Viet" typeface="Arial"/>
         <a:font script="Uigh" typeface="Microsoft Uighur"/>
         <a:font script="Geor" typeface="Sylfaen"/>
-        <a:font script="Armn" typeface="Arial"/>
-        <a:font script="Bugi" typeface="Leelawadee UI"/>
-        <a:font script="Bopo" typeface="Microsoft JhengHei"/>
-        <a:font script="Java" typeface="Javanese Text"/>
-        <a:font script="Lisu" typeface="Segoe UI"/>
-        <a:font script="Mymr" typeface="Myanmar Text"/>
-        <a:font script="Nkoo" typeface="Ebrima"/>
-        <a:font script="Olck" typeface="Nirmala UI"/>
-        <a:font script="Osma" typeface="Ebrima"/>
-        <a:font script="Phag" typeface="Phagspa"/>
-        <a:font script="Syrn" typeface="Estrangelo Edessa"/>
-        <a:font script="Syrj" typeface="Estrangelo Edessa"/>
-        <a:font script="Syre" typeface="Estrangelo Edessa"/>
-        <a:font script="Sora" typeface="Nirmala UI"/>
-        <a:font script="Tale" typeface="Microsoft Tai Le"/>
-        <a:font script="Talu" typeface="Microsoft New Tai Lue"/>
-        <a:font script="Tfng" typeface="Ebrima"/>
       </a:minorFont>
     </a:fontScheme>
-    <a:fmtScheme name="Office">
+    <a:fmtScheme name="Office Theme">
       <a:fillStyleLst>
         <a:solidFill>
           <a:schemeClr val="phClr"/>
